--- a/Docker.pptx
+++ b/Docker.pptx
@@ -5,17 +5,19 @@
     <p:sldMasterId id="2147483648" r:id="rId1"/>
   </p:sldMasterIdLst>
   <p:notesMasterIdLst>
-    <p:notesMasterId r:id="rId10"/>
+    <p:notesMasterId r:id="rId12"/>
   </p:notesMasterIdLst>
   <p:sldIdLst>
     <p:sldId id="256" r:id="rId2"/>
-    <p:sldId id="257" r:id="rId3"/>
-    <p:sldId id="266" r:id="rId4"/>
-    <p:sldId id="268" r:id="rId5"/>
-    <p:sldId id="270" r:id="rId6"/>
-    <p:sldId id="271" r:id="rId7"/>
-    <p:sldId id="272" r:id="rId8"/>
-    <p:sldId id="273" r:id="rId9"/>
+    <p:sldId id="274" r:id="rId3"/>
+    <p:sldId id="257" r:id="rId4"/>
+    <p:sldId id="266" r:id="rId5"/>
+    <p:sldId id="275" r:id="rId6"/>
+    <p:sldId id="268" r:id="rId7"/>
+    <p:sldId id="270" r:id="rId8"/>
+    <p:sldId id="271" r:id="rId9"/>
+    <p:sldId id="272" r:id="rId10"/>
+    <p:sldId id="273" r:id="rId11"/>
   </p:sldIdLst>
   <p:sldSz cx="12192000" cy="6858000"/>
   <p:notesSz cx="6858000" cy="9144000"/>
@@ -356,7 +358,7 @@
           <a:p>
             <a:fld id="{827ED0BA-34F7-43B5-980B-5C79DCDA42D4}" type="datetimeFigureOut">
               <a:rPr lang="fr-FR" smtClean="0"/>
-              <a:t>19/03/2018</a:t>
+              <a:t>21/03/2018</a:t>
             </a:fld>
             <a:endParaRPr lang="fr-FR"/>
           </a:p>
@@ -779,7 +781,7 @@
             <a:fld id="{006BE02D-20C0-F840-AFAC-BEA99C74FDC2}" type="slidenum">
               <a:rPr lang="en-US" smtClean="0"/>
               <a:pPr/>
-              <a:t>2</a:t>
+              <a:t>3</a:t>
             </a:fld>
             <a:endParaRPr lang="en-US" dirty="0"/>
           </a:p>
@@ -863,7 +865,7 @@
           <a:p>
             <a:fld id="{30F8B727-96DD-42AE-A01F-2401FA7F49FD}" type="slidenum">
               <a:rPr lang="fr-FR" smtClean="0"/>
-              <a:t>3</a:t>
+              <a:t>4</a:t>
             </a:fld>
             <a:endParaRPr lang="fr-FR"/>
           </a:p>
@@ -1013,7 +1015,7 @@
           <a:p>
             <a:fld id="{64D19910-B27E-4E0D-A283-C411905896FF}" type="datetime1">
               <a:rPr lang="fr-FR" smtClean="0"/>
-              <a:t>19/03/2018</a:t>
+              <a:t>21/03/2018</a:t>
             </a:fld>
             <a:endParaRPr lang="fr-FR"/>
           </a:p>
@@ -1183,7 +1185,7 @@
           <a:p>
             <a:fld id="{4D9CB2F5-F326-40C1-AB7A-849A56852C0B}" type="datetime1">
               <a:rPr lang="fr-FR" smtClean="0"/>
-              <a:t>19/03/2018</a:t>
+              <a:t>21/03/2018</a:t>
             </a:fld>
             <a:endParaRPr lang="fr-FR"/>
           </a:p>
@@ -1363,7 +1365,7 @@
           <a:p>
             <a:fld id="{25269642-C951-4497-9AF9-21022ECAD730}" type="datetime1">
               <a:rPr lang="fr-FR" smtClean="0"/>
-              <a:t>19/03/2018</a:t>
+              <a:t>21/03/2018</a:t>
             </a:fld>
             <a:endParaRPr lang="fr-FR"/>
           </a:p>
@@ -1623,7 +1625,7 @@
           <a:p>
             <a:fld id="{2881534F-F9DB-407F-9A05-00255D68DE6F}" type="datetime1">
               <a:rPr lang="fr-FR" smtClean="0"/>
-              <a:t>19/03/2018</a:t>
+              <a:t>21/03/2018</a:t>
             </a:fld>
             <a:endParaRPr lang="fr-FR"/>
           </a:p>
@@ -1869,7 +1871,7 @@
           <a:p>
             <a:fld id="{F1EA4AD2-65F1-4AE1-9C1E-00D6B821767C}" type="datetime1">
               <a:rPr lang="fr-FR" smtClean="0"/>
-              <a:t>19/03/2018</a:t>
+              <a:t>21/03/2018</a:t>
             </a:fld>
             <a:endParaRPr lang="fr-FR"/>
           </a:p>
@@ -2101,7 +2103,7 @@
           <a:p>
             <a:fld id="{2361A070-5BD2-4C8B-A210-E38928BB1DA4}" type="datetime1">
               <a:rPr lang="fr-FR" smtClean="0"/>
-              <a:t>19/03/2018</a:t>
+              <a:t>21/03/2018</a:t>
             </a:fld>
             <a:endParaRPr lang="fr-FR"/>
           </a:p>
@@ -2468,7 +2470,7 @@
           <a:p>
             <a:fld id="{07671DFE-B050-4002-A73A-93B7EDBAD32F}" type="datetime1">
               <a:rPr lang="fr-FR" smtClean="0"/>
-              <a:t>19/03/2018</a:t>
+              <a:t>21/03/2018</a:t>
             </a:fld>
             <a:endParaRPr lang="fr-FR"/>
           </a:p>
@@ -2586,7 +2588,7 @@
           <a:p>
             <a:fld id="{056304F3-B70A-46BE-A87B-B3C5D5A69847}" type="datetime1">
               <a:rPr lang="fr-FR" smtClean="0"/>
-              <a:t>19/03/2018</a:t>
+              <a:t>21/03/2018</a:t>
             </a:fld>
             <a:endParaRPr lang="fr-FR"/>
           </a:p>
@@ -2681,7 +2683,7 @@
           <a:p>
             <a:fld id="{0F424A62-D7C3-424A-BD8A-062745028AF5}" type="datetime1">
               <a:rPr lang="fr-FR" smtClean="0"/>
-              <a:t>19/03/2018</a:t>
+              <a:t>21/03/2018</a:t>
             </a:fld>
             <a:endParaRPr lang="fr-FR"/>
           </a:p>
@@ -2958,7 +2960,7 @@
           <a:p>
             <a:fld id="{B608EA86-74F4-4277-AAE3-678AA34A2D2D}" type="datetime1">
               <a:rPr lang="fr-FR" smtClean="0"/>
-              <a:t>19/03/2018</a:t>
+              <a:t>21/03/2018</a:t>
             </a:fld>
             <a:endParaRPr lang="fr-FR"/>
           </a:p>
@@ -3211,7 +3213,7 @@
           <a:p>
             <a:fld id="{56CD51FE-B915-4C62-986C-F782DBF89796}" type="datetime1">
               <a:rPr lang="fr-FR" smtClean="0"/>
-              <a:t>19/03/2018</a:t>
+              <a:t>21/03/2018</a:t>
             </a:fld>
             <a:endParaRPr lang="fr-FR"/>
           </a:p>
@@ -3424,7 +3426,7 @@
           <a:p>
             <a:fld id="{809D44A8-60F2-4630-9948-FB0093D84911}" type="datetime1">
               <a:rPr lang="fr-FR" smtClean="0"/>
-              <a:t>19/03/2018</a:t>
+              <a:t>21/03/2018</a:t>
             </a:fld>
             <a:endParaRPr lang="fr-FR"/>
           </a:p>
@@ -3833,29 +3835,6 @@
       </p:grpSpPr>
       <p:sp>
         <p:nvSpPr>
-          <p:cNvPr id="2" name="Titre 1"/>
-          <p:cNvSpPr>
-            <a:spLocks noGrp="1"/>
-          </p:cNvSpPr>
-          <p:nvPr>
-            <p:ph type="ctrTitle"/>
-          </p:nvPr>
-        </p:nvSpPr>
-        <p:spPr/>
-        <p:txBody>
-          <a:bodyPr/>
-          <a:lstStyle/>
-          <a:p>
-            <a:r>
-              <a:rPr lang="fr-FR" dirty="0" smtClean="0"/>
-              <a:t>Docker</a:t>
-            </a:r>
-            <a:endParaRPr lang="fr-FR" dirty="0"/>
-          </a:p>
-        </p:txBody>
-      </p:sp>
-      <p:sp>
-        <p:nvSpPr>
           <p:cNvPr id="3" name="Sous-titre 2"/>
           <p:cNvSpPr>
             <a:spLocks noGrp="1"/>
@@ -3866,7 +3845,7 @@
         </p:nvSpPr>
         <p:spPr>
           <a:xfrm>
-            <a:off x="1214907" y="781564"/>
+            <a:off x="1157757" y="178594"/>
             <a:ext cx="9144000" cy="1655762"/>
           </a:xfrm>
         </p:spPr>
@@ -3938,7 +3917,7 @@
                   <a:schemeClr val="tx1"/>
                 </a:solidFill>
               </a:rPr>
-              <a:t>demba</a:t>
+              <a:t>Ndemba</a:t>
             </a:r>
             <a:r>
               <a:rPr lang="fr-FR" dirty="0" smtClean="0">
@@ -3979,10 +3958,310 @@
           </a:p>
         </p:txBody>
       </p:sp>
+      <p:pic>
+        <p:nvPicPr>
+          <p:cNvPr id="6" name="Espace réservé pour une image  2"/>
+          <p:cNvPicPr>
+            <a:picLocks noChangeAspect="1"/>
+          </p:cNvPicPr>
+          <p:nvPr/>
+        </p:nvPicPr>
+        <p:blipFill>
+          <a:blip r:embed="rId3">
+            <a:extLst>
+              <a:ext uri="{28A0092B-C50C-407E-A947-70E740481C1C}">
+                <a14:useLocalDpi xmlns:a14="http://schemas.microsoft.com/office/drawing/2010/main" val="0"/>
+              </a:ext>
+            </a:extLst>
+          </a:blip>
+          <a:srcRect l="222" r="222"/>
+          <a:stretch>
+            <a:fillRect/>
+          </a:stretch>
+        </p:blipFill>
+        <p:spPr>
+          <a:xfrm>
+            <a:off x="0" y="1143000"/>
+            <a:ext cx="12192000" cy="5122571"/>
+          </a:xfrm>
+          <a:prstGeom prst="rect">
+            <a:avLst/>
+          </a:prstGeom>
+        </p:spPr>
+      </p:pic>
     </p:spTree>
     <p:extLst>
       <p:ext uri="{BB962C8B-B14F-4D97-AF65-F5344CB8AC3E}">
         <p14:creationId xmlns:p14="http://schemas.microsoft.com/office/powerpoint/2010/main" val="659030325"/>
+      </p:ext>
+    </p:extLst>
+  </p:cSld>
+  <p:clrMapOvr>
+    <a:masterClrMapping/>
+  </p:clrMapOvr>
+  <p:timing>
+    <p:tnLst>
+      <p:par>
+        <p:cTn id="1" dur="indefinite" restart="never" nodeType="tmRoot">
+          <p:childTnLst>
+            <p:seq concurrent="1" nextAc="seek">
+              <p:cTn id="2" dur="indefinite" nodeType="mainSeq">
+                <p:childTnLst>
+                  <p:par>
+                    <p:cTn id="3" fill="hold">
+                      <p:stCondLst>
+                        <p:cond delay="indefinite"/>
+                      </p:stCondLst>
+                      <p:childTnLst>
+                        <p:par>
+                          <p:cTn id="4" fill="hold">
+                            <p:stCondLst>
+                              <p:cond delay="0"/>
+                            </p:stCondLst>
+                            <p:childTnLst>
+                              <p:par>
+                                <p:cTn id="5" presetID="16" presetClass="entr" presetSubtype="21" fill="hold" nodeType="clickEffect">
+                                  <p:stCondLst>
+                                    <p:cond delay="0"/>
+                                  </p:stCondLst>
+                                  <p:childTnLst>
+                                    <p:set>
+                                      <p:cBhvr>
+                                        <p:cTn id="6" dur="1" fill="hold">
+                                          <p:stCondLst>
+                                            <p:cond delay="0"/>
+                                          </p:stCondLst>
+                                        </p:cTn>
+                                        <p:tgtEl>
+                                          <p:spTgt spid="6"/>
+                                        </p:tgtEl>
+                                        <p:attrNameLst>
+                                          <p:attrName>style.visibility</p:attrName>
+                                        </p:attrNameLst>
+                                      </p:cBhvr>
+                                      <p:to>
+                                        <p:strVal val="visible"/>
+                                      </p:to>
+                                    </p:set>
+                                    <p:animEffect transition="in" filter="barn(inVertical)">
+                                      <p:cBhvr>
+                                        <p:cTn id="7" dur="500"/>
+                                        <p:tgtEl>
+                                          <p:spTgt spid="6"/>
+                                        </p:tgtEl>
+                                      </p:cBhvr>
+                                    </p:animEffect>
+                                  </p:childTnLst>
+                                </p:cTn>
+                              </p:par>
+                              <p:par>
+                                <p:cTn id="8" presetID="16" presetClass="entr" presetSubtype="21" fill="hold" grpId="0" nodeType="withEffect">
+                                  <p:stCondLst>
+                                    <p:cond delay="0"/>
+                                  </p:stCondLst>
+                                  <p:childTnLst>
+                                    <p:set>
+                                      <p:cBhvr>
+                                        <p:cTn id="9" dur="1" fill="hold">
+                                          <p:stCondLst>
+                                            <p:cond delay="0"/>
+                                          </p:stCondLst>
+                                        </p:cTn>
+                                        <p:tgtEl>
+                                          <p:spTgt spid="3">
+                                            <p:txEl>
+                                              <p:pRg st="0" end="0"/>
+                                            </p:txEl>
+                                          </p:spTgt>
+                                        </p:tgtEl>
+                                        <p:attrNameLst>
+                                          <p:attrName>style.visibility</p:attrName>
+                                        </p:attrNameLst>
+                                      </p:cBhvr>
+                                      <p:to>
+                                        <p:strVal val="visible"/>
+                                      </p:to>
+                                    </p:set>
+                                    <p:animEffect transition="in" filter="barn(inVertical)">
+                                      <p:cBhvr>
+                                        <p:cTn id="10" dur="500"/>
+                                        <p:tgtEl>
+                                          <p:spTgt spid="3">
+                                            <p:txEl>
+                                              <p:pRg st="0" end="0"/>
+                                            </p:txEl>
+                                          </p:spTgt>
+                                        </p:tgtEl>
+                                      </p:cBhvr>
+                                    </p:animEffect>
+                                  </p:childTnLst>
+                                </p:cTn>
+                              </p:par>
+                              <p:par>
+                                <p:cTn id="11" presetID="16" presetClass="entr" presetSubtype="21" fill="hold" grpId="0" nodeType="withEffect">
+                                  <p:stCondLst>
+                                    <p:cond delay="0"/>
+                                  </p:stCondLst>
+                                  <p:childTnLst>
+                                    <p:set>
+                                      <p:cBhvr>
+                                        <p:cTn id="12" dur="1" fill="hold">
+                                          <p:stCondLst>
+                                            <p:cond delay="0"/>
+                                          </p:stCondLst>
+                                        </p:cTn>
+                                        <p:tgtEl>
+                                          <p:spTgt spid="5"/>
+                                        </p:tgtEl>
+                                        <p:attrNameLst>
+                                          <p:attrName>style.visibility</p:attrName>
+                                        </p:attrNameLst>
+                                      </p:cBhvr>
+                                      <p:to>
+                                        <p:strVal val="visible"/>
+                                      </p:to>
+                                    </p:set>
+                                    <p:animEffect transition="in" filter="barn(inVertical)">
+                                      <p:cBhvr>
+                                        <p:cTn id="13" dur="500"/>
+                                        <p:tgtEl>
+                                          <p:spTgt spid="5"/>
+                                        </p:tgtEl>
+                                      </p:cBhvr>
+                                    </p:animEffect>
+                                  </p:childTnLst>
+                                </p:cTn>
+                              </p:par>
+                            </p:childTnLst>
+                          </p:cTn>
+                        </p:par>
+                      </p:childTnLst>
+                    </p:cTn>
+                  </p:par>
+                </p:childTnLst>
+              </p:cTn>
+              <p:prevCondLst>
+                <p:cond evt="onPrev" delay="0">
+                  <p:tgtEl>
+                    <p:sldTgt/>
+                  </p:tgtEl>
+                </p:cond>
+              </p:prevCondLst>
+              <p:nextCondLst>
+                <p:cond evt="onNext" delay="0">
+                  <p:tgtEl>
+                    <p:sldTgt/>
+                  </p:tgtEl>
+                </p:cond>
+              </p:nextCondLst>
+            </p:seq>
+          </p:childTnLst>
+        </p:cTn>
+      </p:par>
+    </p:tnLst>
+    <p:bldLst>
+      <p:bldP spid="3" grpId="0" build="p"/>
+      <p:bldP spid="5" grpId="0" animBg="1"/>
+    </p:bldLst>
+  </p:timing>
+</p:sld>
+</file>
+
+<file path=ppt/slides/slide10.xml><?xml version="1.0" encoding="utf-8"?>
+<p:sld xmlns:a="http://schemas.openxmlformats.org/drawingml/2006/main" xmlns:r="http://schemas.openxmlformats.org/officeDocument/2006/relationships" xmlns:p="http://schemas.openxmlformats.org/presentationml/2006/main" showMasterSp="0">
+  <p:cSld>
+    <p:bg>
+      <p:bgPr>
+        <a:pattFill prst="dashHorz">
+          <a:fgClr>
+            <a:schemeClr val="accent1"/>
+          </a:fgClr>
+          <a:bgClr>
+            <a:srgbClr val="0066FF"/>
+          </a:bgClr>
+        </a:pattFill>
+        <a:effectLst/>
+      </p:bgPr>
+    </p:bg>
+    <p:spTree>
+      <p:nvGrpSpPr>
+        <p:cNvPr id="1" name=""/>
+        <p:cNvGrpSpPr/>
+        <p:nvPr/>
+      </p:nvGrpSpPr>
+      <p:grpSpPr>
+        <a:xfrm>
+          <a:off x="0" y="0"/>
+          <a:ext cx="0" cy="0"/>
+          <a:chOff x="0" y="0"/>
+          <a:chExt cx="0" cy="0"/>
+        </a:xfrm>
+      </p:grpSpPr>
+      <p:sp>
+        <p:nvSpPr>
+          <p:cNvPr id="4" name="Espace réservé du numéro de diapositive 3"/>
+          <p:cNvSpPr>
+            <a:spLocks noGrp="1"/>
+          </p:cNvSpPr>
+          <p:nvPr>
+            <p:ph type="sldNum" sz="quarter" idx="12"/>
+          </p:nvPr>
+        </p:nvSpPr>
+        <p:spPr/>
+        <p:txBody>
+          <a:bodyPr/>
+          <a:lstStyle/>
+          <a:p>
+            <a:fld id="{AB88928B-9622-48EC-9EA5-614F3AC2BC76}" type="slidenum">
+              <a:rPr lang="fr-FR" smtClean="0"/>
+              <a:t>10</a:t>
+            </a:fld>
+            <a:endParaRPr lang="fr-FR"/>
+          </a:p>
+        </p:txBody>
+      </p:sp>
+      <p:pic>
+        <p:nvPicPr>
+          <p:cNvPr id="7" name="Espace réservé du contenu 6"/>
+          <p:cNvPicPr>
+            <a:picLocks noGrp="1" noChangeAspect="1"/>
+          </p:cNvPicPr>
+          <p:nvPr>
+            <p:ph idx="1"/>
+          </p:nvPr>
+        </p:nvPicPr>
+        <p:blipFill>
+          <a:blip r:embed="rId2"/>
+          <a:stretch>
+            <a:fillRect/>
+          </a:stretch>
+        </p:blipFill>
+        <p:spPr>
+          <a:xfrm>
+            <a:off x="266700" y="304801"/>
+            <a:ext cx="11601450" cy="6234112"/>
+          </a:xfrm>
+          <a:prstGeom prst="rect">
+            <a:avLst/>
+          </a:prstGeom>
+          <a:ln w="228600" cap="sq" cmpd="thickThin">
+            <a:solidFill>
+              <a:srgbClr val="000000"/>
+            </a:solidFill>
+            <a:prstDash val="solid"/>
+            <a:miter lim="800000"/>
+          </a:ln>
+          <a:effectLst>
+            <a:innerShdw blurRad="76200">
+              <a:srgbClr val="000000"/>
+            </a:innerShdw>
+          </a:effectLst>
+        </p:spPr>
+      </p:pic>
+    </p:spTree>
+    <p:extLst>
+      <p:ext uri="{BB962C8B-B14F-4D97-AF65-F5344CB8AC3E}">
+        <p14:creationId xmlns:p14="http://schemas.microsoft.com/office/powerpoint/2010/main" val="421663524"/>
       </p:ext>
     </p:extLst>
   </p:cSld>
@@ -4016,39 +4295,104 @@
           <a:chExt cx="0" cy="0"/>
         </a:xfrm>
       </p:grpSpPr>
-      <p:pic>
-        <p:nvPicPr>
-          <p:cNvPr id="3" name="Espace réservé pour une image  2"/>
-          <p:cNvPicPr>
-            <a:picLocks noGrp="1" noChangeAspect="1"/>
-          </p:cNvPicPr>
+      <p:sp>
+        <p:nvSpPr>
+          <p:cNvPr id="3" name="Espace réservé du contenu 2"/>
+          <p:cNvSpPr>
+            <a:spLocks noGrp="1"/>
+          </p:cNvSpPr>
           <p:nvPr>
-            <p:ph type="pic" sz="quarter" idx="13"/>
+            <p:ph idx="1"/>
           </p:nvPr>
-        </p:nvPicPr>
-        <p:blipFill>
-          <a:blip r:embed="rId3">
-            <a:extLst>
-              <a:ext uri="{28A0092B-C50C-407E-A947-70E740481C1C}">
-                <a14:useLocalDpi xmlns:a14="http://schemas.microsoft.com/office/drawing/2010/main" val="0"/>
-              </a:ext>
-            </a:extLst>
-          </a:blip>
-          <a:srcRect l="222" r="222"/>
-          <a:stretch>
-            <a:fillRect/>
-          </a:stretch>
-        </p:blipFill>
+        </p:nvSpPr>
         <p:spPr>
           <a:xfrm>
-            <a:off x="0" y="592428"/>
-            <a:ext cx="12192000" cy="6858000"/>
+            <a:off x="630382" y="1298720"/>
+            <a:ext cx="10515600" cy="4351338"/>
           </a:xfrm>
         </p:spPr>
-      </p:pic>
-      <p:sp>
-        <p:nvSpPr>
-          <p:cNvPr id="4" name="Rectangle 3"/>
+        <p:txBody>
+          <a:bodyPr/>
+          <a:lstStyle/>
+          <a:p>
+            <a:r>
+              <a:rPr lang="fr-FR" dirty="0" smtClean="0"/>
+              <a:t>Introduction</a:t>
+            </a:r>
+          </a:p>
+          <a:p>
+            <a:r>
+              <a:rPr lang="fr-FR" dirty="0" smtClean="0"/>
+              <a:t>Motivation</a:t>
+            </a:r>
+          </a:p>
+          <a:p>
+            <a:r>
+              <a:rPr lang="fr-FR" dirty="0" smtClean="0"/>
+              <a:t>Architecture</a:t>
+            </a:r>
+          </a:p>
+          <a:p>
+            <a:r>
+              <a:rPr lang="fr-FR" dirty="0" smtClean="0"/>
+              <a:t>Inconvénient</a:t>
+            </a:r>
+          </a:p>
+          <a:p>
+            <a:r>
+              <a:rPr lang="fr-FR" dirty="0" smtClean="0"/>
+              <a:t>Conclusion</a:t>
+            </a:r>
+          </a:p>
+          <a:p>
+            <a:r>
+              <a:rPr lang="fr-FR" dirty="0" smtClean="0"/>
+              <a:t>Perspective</a:t>
+            </a:r>
+          </a:p>
+          <a:p>
+            <a:endParaRPr lang="fr-FR" dirty="0" smtClean="0"/>
+          </a:p>
+          <a:p>
+            <a:endParaRPr lang="fr-FR" dirty="0" smtClean="0"/>
+          </a:p>
+          <a:p>
+            <a:endParaRPr lang="fr-FR" dirty="0" smtClean="0"/>
+          </a:p>
+          <a:p>
+            <a:endParaRPr lang="fr-FR" dirty="0" smtClean="0"/>
+          </a:p>
+          <a:p>
+            <a:endParaRPr lang="fr-FR" dirty="0"/>
+          </a:p>
+        </p:txBody>
+      </p:sp>
+      <p:sp>
+        <p:nvSpPr>
+          <p:cNvPr id="4" name="Espace réservé du numéro de diapositive 3"/>
+          <p:cNvSpPr>
+            <a:spLocks noGrp="1"/>
+          </p:cNvSpPr>
+          <p:nvPr>
+            <p:ph type="sldNum" sz="quarter" idx="12"/>
+          </p:nvPr>
+        </p:nvSpPr>
+        <p:spPr/>
+        <p:txBody>
+          <a:bodyPr/>
+          <a:lstStyle/>
+          <a:p>
+            <a:fld id="{AB88928B-9622-48EC-9EA5-614F3AC2BC76}" type="slidenum">
+              <a:rPr lang="fr-FR" smtClean="0"/>
+              <a:t>2</a:t>
+            </a:fld>
+            <a:endParaRPr lang="fr-FR"/>
+          </a:p>
+        </p:txBody>
+      </p:sp>
+      <p:sp>
+        <p:nvSpPr>
+          <p:cNvPr id="5" name="Rectangle 4"/>
           <p:cNvSpPr/>
           <p:nvPr/>
         </p:nvSpPr>
@@ -4094,7 +4438,7 @@
                   <a:schemeClr val="tx1"/>
                 </a:solidFill>
               </a:rPr>
-              <a:t>INTRODUCTION</a:t>
+              <a:t>Plan</a:t>
             </a:r>
             <a:endParaRPr lang="fr-FR" dirty="0">
               <a:solidFill>
@@ -4104,60 +4448,580 @@
           </a:p>
         </p:txBody>
       </p:sp>
-      <p:pic>
-        <p:nvPicPr>
-          <p:cNvPr id="8" name="Picture 3"/>
-          <p:cNvPicPr>
-            <a:picLocks noChangeAspect="1" noChangeArrowheads="1"/>
-          </p:cNvPicPr>
+    </p:spTree>
+    <p:extLst>
+      <p:ext uri="{BB962C8B-B14F-4D97-AF65-F5344CB8AC3E}">
+        <p14:creationId xmlns:p14="http://schemas.microsoft.com/office/powerpoint/2010/main" val="3694313736"/>
+      </p:ext>
+    </p:extLst>
+  </p:cSld>
+  <p:clrMapOvr>
+    <a:masterClrMapping/>
+  </p:clrMapOvr>
+  <p:timing>
+    <p:tnLst>
+      <p:par>
+        <p:cTn id="1" dur="indefinite" restart="never" nodeType="tmRoot">
+          <p:childTnLst>
+            <p:seq concurrent="1" nextAc="seek">
+              <p:cTn id="2" dur="indefinite" nodeType="mainSeq">
+                <p:childTnLst>
+                  <p:par>
+                    <p:cTn id="3" fill="hold">
+                      <p:stCondLst>
+                        <p:cond delay="indefinite"/>
+                      </p:stCondLst>
+                      <p:childTnLst>
+                        <p:par>
+                          <p:cTn id="4" fill="hold">
+                            <p:stCondLst>
+                              <p:cond delay="0"/>
+                            </p:stCondLst>
+                            <p:childTnLst>
+                              <p:par>
+                                <p:cTn id="5" presetID="16" presetClass="entr" presetSubtype="21" fill="hold" grpId="0" nodeType="clickEffect">
+                                  <p:stCondLst>
+                                    <p:cond delay="0"/>
+                                  </p:stCondLst>
+                                  <p:childTnLst>
+                                    <p:set>
+                                      <p:cBhvr>
+                                        <p:cTn id="6" dur="1" fill="hold">
+                                          <p:stCondLst>
+                                            <p:cond delay="0"/>
+                                          </p:stCondLst>
+                                        </p:cTn>
+                                        <p:tgtEl>
+                                          <p:spTgt spid="5"/>
+                                        </p:tgtEl>
+                                        <p:attrNameLst>
+                                          <p:attrName>style.visibility</p:attrName>
+                                        </p:attrNameLst>
+                                      </p:cBhvr>
+                                      <p:to>
+                                        <p:strVal val="visible"/>
+                                      </p:to>
+                                    </p:set>
+                                    <p:animEffect transition="in" filter="barn(inVertical)">
+                                      <p:cBhvr>
+                                        <p:cTn id="7" dur="500"/>
+                                        <p:tgtEl>
+                                          <p:spTgt spid="5"/>
+                                        </p:tgtEl>
+                                      </p:cBhvr>
+                                    </p:animEffect>
+                                  </p:childTnLst>
+                                </p:cTn>
+                              </p:par>
+                              <p:par>
+                                <p:cTn id="8" presetID="16" presetClass="entr" presetSubtype="21" fill="hold" grpId="0" nodeType="withEffect">
+                                  <p:stCondLst>
+                                    <p:cond delay="0"/>
+                                  </p:stCondLst>
+                                  <p:childTnLst>
+                                    <p:set>
+                                      <p:cBhvr>
+                                        <p:cTn id="9" dur="1" fill="hold">
+                                          <p:stCondLst>
+                                            <p:cond delay="0"/>
+                                          </p:stCondLst>
+                                        </p:cTn>
+                                        <p:tgtEl>
+                                          <p:spTgt spid="3">
+                                            <p:txEl>
+                                              <p:pRg st="0" end="0"/>
+                                            </p:txEl>
+                                          </p:spTgt>
+                                        </p:tgtEl>
+                                        <p:attrNameLst>
+                                          <p:attrName>style.visibility</p:attrName>
+                                        </p:attrNameLst>
+                                      </p:cBhvr>
+                                      <p:to>
+                                        <p:strVal val="visible"/>
+                                      </p:to>
+                                    </p:set>
+                                    <p:animEffect transition="in" filter="barn(inVertical)">
+                                      <p:cBhvr>
+                                        <p:cTn id="10" dur="500"/>
+                                        <p:tgtEl>
+                                          <p:spTgt spid="3">
+                                            <p:txEl>
+                                              <p:pRg st="0" end="0"/>
+                                            </p:txEl>
+                                          </p:spTgt>
+                                        </p:tgtEl>
+                                      </p:cBhvr>
+                                    </p:animEffect>
+                                  </p:childTnLst>
+                                </p:cTn>
+                              </p:par>
+                            </p:childTnLst>
+                          </p:cTn>
+                        </p:par>
+                      </p:childTnLst>
+                    </p:cTn>
+                  </p:par>
+                  <p:par>
+                    <p:cTn id="11" fill="hold">
+                      <p:stCondLst>
+                        <p:cond delay="indefinite"/>
+                      </p:stCondLst>
+                      <p:childTnLst>
+                        <p:par>
+                          <p:cTn id="12" fill="hold">
+                            <p:stCondLst>
+                              <p:cond delay="0"/>
+                            </p:stCondLst>
+                            <p:childTnLst>
+                              <p:par>
+                                <p:cTn id="13" presetID="16" presetClass="entr" presetSubtype="21" fill="hold" grpId="0" nodeType="clickEffect">
+                                  <p:stCondLst>
+                                    <p:cond delay="0"/>
+                                  </p:stCondLst>
+                                  <p:childTnLst>
+                                    <p:set>
+                                      <p:cBhvr>
+                                        <p:cTn id="14" dur="1" fill="hold">
+                                          <p:stCondLst>
+                                            <p:cond delay="0"/>
+                                          </p:stCondLst>
+                                        </p:cTn>
+                                        <p:tgtEl>
+                                          <p:spTgt spid="3">
+                                            <p:txEl>
+                                              <p:pRg st="1" end="1"/>
+                                            </p:txEl>
+                                          </p:spTgt>
+                                        </p:tgtEl>
+                                        <p:attrNameLst>
+                                          <p:attrName>style.visibility</p:attrName>
+                                        </p:attrNameLst>
+                                      </p:cBhvr>
+                                      <p:to>
+                                        <p:strVal val="visible"/>
+                                      </p:to>
+                                    </p:set>
+                                    <p:animEffect transition="in" filter="barn(inVertical)">
+                                      <p:cBhvr>
+                                        <p:cTn id="15" dur="500"/>
+                                        <p:tgtEl>
+                                          <p:spTgt spid="3">
+                                            <p:txEl>
+                                              <p:pRg st="1" end="1"/>
+                                            </p:txEl>
+                                          </p:spTgt>
+                                        </p:tgtEl>
+                                      </p:cBhvr>
+                                    </p:animEffect>
+                                  </p:childTnLst>
+                                </p:cTn>
+                              </p:par>
+                            </p:childTnLst>
+                          </p:cTn>
+                        </p:par>
+                      </p:childTnLst>
+                    </p:cTn>
+                  </p:par>
+                  <p:par>
+                    <p:cTn id="16" fill="hold">
+                      <p:stCondLst>
+                        <p:cond delay="indefinite"/>
+                      </p:stCondLst>
+                      <p:childTnLst>
+                        <p:par>
+                          <p:cTn id="17" fill="hold">
+                            <p:stCondLst>
+                              <p:cond delay="0"/>
+                            </p:stCondLst>
+                            <p:childTnLst>
+                              <p:par>
+                                <p:cTn id="18" presetID="16" presetClass="entr" presetSubtype="21" fill="hold" grpId="0" nodeType="clickEffect">
+                                  <p:stCondLst>
+                                    <p:cond delay="0"/>
+                                  </p:stCondLst>
+                                  <p:childTnLst>
+                                    <p:set>
+                                      <p:cBhvr>
+                                        <p:cTn id="19" dur="1" fill="hold">
+                                          <p:stCondLst>
+                                            <p:cond delay="0"/>
+                                          </p:stCondLst>
+                                        </p:cTn>
+                                        <p:tgtEl>
+                                          <p:spTgt spid="3">
+                                            <p:txEl>
+                                              <p:pRg st="2" end="2"/>
+                                            </p:txEl>
+                                          </p:spTgt>
+                                        </p:tgtEl>
+                                        <p:attrNameLst>
+                                          <p:attrName>style.visibility</p:attrName>
+                                        </p:attrNameLst>
+                                      </p:cBhvr>
+                                      <p:to>
+                                        <p:strVal val="visible"/>
+                                      </p:to>
+                                    </p:set>
+                                    <p:animEffect transition="in" filter="barn(inVertical)">
+                                      <p:cBhvr>
+                                        <p:cTn id="20" dur="500"/>
+                                        <p:tgtEl>
+                                          <p:spTgt spid="3">
+                                            <p:txEl>
+                                              <p:pRg st="2" end="2"/>
+                                            </p:txEl>
+                                          </p:spTgt>
+                                        </p:tgtEl>
+                                      </p:cBhvr>
+                                    </p:animEffect>
+                                  </p:childTnLst>
+                                </p:cTn>
+                              </p:par>
+                            </p:childTnLst>
+                          </p:cTn>
+                        </p:par>
+                      </p:childTnLst>
+                    </p:cTn>
+                  </p:par>
+                  <p:par>
+                    <p:cTn id="21" fill="hold">
+                      <p:stCondLst>
+                        <p:cond delay="indefinite"/>
+                      </p:stCondLst>
+                      <p:childTnLst>
+                        <p:par>
+                          <p:cTn id="22" fill="hold">
+                            <p:stCondLst>
+                              <p:cond delay="0"/>
+                            </p:stCondLst>
+                            <p:childTnLst>
+                              <p:par>
+                                <p:cTn id="23" presetID="16" presetClass="entr" presetSubtype="21" fill="hold" grpId="0" nodeType="clickEffect">
+                                  <p:stCondLst>
+                                    <p:cond delay="0"/>
+                                  </p:stCondLst>
+                                  <p:childTnLst>
+                                    <p:set>
+                                      <p:cBhvr>
+                                        <p:cTn id="24" dur="1" fill="hold">
+                                          <p:stCondLst>
+                                            <p:cond delay="0"/>
+                                          </p:stCondLst>
+                                        </p:cTn>
+                                        <p:tgtEl>
+                                          <p:spTgt spid="3">
+                                            <p:txEl>
+                                              <p:pRg st="3" end="3"/>
+                                            </p:txEl>
+                                          </p:spTgt>
+                                        </p:tgtEl>
+                                        <p:attrNameLst>
+                                          <p:attrName>style.visibility</p:attrName>
+                                        </p:attrNameLst>
+                                      </p:cBhvr>
+                                      <p:to>
+                                        <p:strVal val="visible"/>
+                                      </p:to>
+                                    </p:set>
+                                    <p:animEffect transition="in" filter="barn(inVertical)">
+                                      <p:cBhvr>
+                                        <p:cTn id="25" dur="500"/>
+                                        <p:tgtEl>
+                                          <p:spTgt spid="3">
+                                            <p:txEl>
+                                              <p:pRg st="3" end="3"/>
+                                            </p:txEl>
+                                          </p:spTgt>
+                                        </p:tgtEl>
+                                      </p:cBhvr>
+                                    </p:animEffect>
+                                  </p:childTnLst>
+                                </p:cTn>
+                              </p:par>
+                            </p:childTnLst>
+                          </p:cTn>
+                        </p:par>
+                      </p:childTnLst>
+                    </p:cTn>
+                  </p:par>
+                  <p:par>
+                    <p:cTn id="26" fill="hold">
+                      <p:stCondLst>
+                        <p:cond delay="indefinite"/>
+                      </p:stCondLst>
+                      <p:childTnLst>
+                        <p:par>
+                          <p:cTn id="27" fill="hold">
+                            <p:stCondLst>
+                              <p:cond delay="0"/>
+                            </p:stCondLst>
+                            <p:childTnLst>
+                              <p:par>
+                                <p:cTn id="28" presetID="16" presetClass="entr" presetSubtype="21" fill="hold" grpId="0" nodeType="clickEffect">
+                                  <p:stCondLst>
+                                    <p:cond delay="0"/>
+                                  </p:stCondLst>
+                                  <p:childTnLst>
+                                    <p:set>
+                                      <p:cBhvr>
+                                        <p:cTn id="29" dur="1" fill="hold">
+                                          <p:stCondLst>
+                                            <p:cond delay="0"/>
+                                          </p:stCondLst>
+                                        </p:cTn>
+                                        <p:tgtEl>
+                                          <p:spTgt spid="3">
+                                            <p:txEl>
+                                              <p:pRg st="4" end="4"/>
+                                            </p:txEl>
+                                          </p:spTgt>
+                                        </p:tgtEl>
+                                        <p:attrNameLst>
+                                          <p:attrName>style.visibility</p:attrName>
+                                        </p:attrNameLst>
+                                      </p:cBhvr>
+                                      <p:to>
+                                        <p:strVal val="visible"/>
+                                      </p:to>
+                                    </p:set>
+                                    <p:animEffect transition="in" filter="barn(inVertical)">
+                                      <p:cBhvr>
+                                        <p:cTn id="30" dur="500"/>
+                                        <p:tgtEl>
+                                          <p:spTgt spid="3">
+                                            <p:txEl>
+                                              <p:pRg st="4" end="4"/>
+                                            </p:txEl>
+                                          </p:spTgt>
+                                        </p:tgtEl>
+                                      </p:cBhvr>
+                                    </p:animEffect>
+                                  </p:childTnLst>
+                                </p:cTn>
+                              </p:par>
+                            </p:childTnLst>
+                          </p:cTn>
+                        </p:par>
+                      </p:childTnLst>
+                    </p:cTn>
+                  </p:par>
+                  <p:par>
+                    <p:cTn id="31" fill="hold">
+                      <p:stCondLst>
+                        <p:cond delay="indefinite"/>
+                      </p:stCondLst>
+                      <p:childTnLst>
+                        <p:par>
+                          <p:cTn id="32" fill="hold">
+                            <p:stCondLst>
+                              <p:cond delay="0"/>
+                            </p:stCondLst>
+                            <p:childTnLst>
+                              <p:par>
+                                <p:cTn id="33" presetID="16" presetClass="entr" presetSubtype="21" fill="hold" grpId="0" nodeType="clickEffect">
+                                  <p:stCondLst>
+                                    <p:cond delay="0"/>
+                                  </p:stCondLst>
+                                  <p:childTnLst>
+                                    <p:set>
+                                      <p:cBhvr>
+                                        <p:cTn id="34" dur="1" fill="hold">
+                                          <p:stCondLst>
+                                            <p:cond delay="0"/>
+                                          </p:stCondLst>
+                                        </p:cTn>
+                                        <p:tgtEl>
+                                          <p:spTgt spid="3">
+                                            <p:txEl>
+                                              <p:pRg st="5" end="5"/>
+                                            </p:txEl>
+                                          </p:spTgt>
+                                        </p:tgtEl>
+                                        <p:attrNameLst>
+                                          <p:attrName>style.visibility</p:attrName>
+                                        </p:attrNameLst>
+                                      </p:cBhvr>
+                                      <p:to>
+                                        <p:strVal val="visible"/>
+                                      </p:to>
+                                    </p:set>
+                                    <p:animEffect transition="in" filter="barn(inVertical)">
+                                      <p:cBhvr>
+                                        <p:cTn id="35" dur="500"/>
+                                        <p:tgtEl>
+                                          <p:spTgt spid="3">
+                                            <p:txEl>
+                                              <p:pRg st="5" end="5"/>
+                                            </p:txEl>
+                                          </p:spTgt>
+                                        </p:tgtEl>
+                                      </p:cBhvr>
+                                    </p:animEffect>
+                                  </p:childTnLst>
+                                </p:cTn>
+                              </p:par>
+                            </p:childTnLst>
+                          </p:cTn>
+                        </p:par>
+                      </p:childTnLst>
+                    </p:cTn>
+                  </p:par>
+                </p:childTnLst>
+              </p:cTn>
+              <p:prevCondLst>
+                <p:cond evt="onPrev" delay="0">
+                  <p:tgtEl>
+                    <p:sldTgt/>
+                  </p:tgtEl>
+                </p:cond>
+              </p:prevCondLst>
+              <p:nextCondLst>
+                <p:cond evt="onNext" delay="0">
+                  <p:tgtEl>
+                    <p:sldTgt/>
+                  </p:tgtEl>
+                </p:cond>
+              </p:nextCondLst>
+            </p:seq>
+          </p:childTnLst>
+        </p:cTn>
+      </p:par>
+    </p:tnLst>
+    <p:bldLst>
+      <p:bldP spid="3" grpId="0" build="p"/>
+      <p:bldP spid="5" grpId="0" animBg="1"/>
+    </p:bldLst>
+  </p:timing>
+</p:sld>
+</file>
+
+<file path=ppt/slides/slide3.xml><?xml version="1.0" encoding="utf-8"?>
+<p:sld xmlns:a="http://schemas.openxmlformats.org/drawingml/2006/main" xmlns:r="http://schemas.openxmlformats.org/officeDocument/2006/relationships" xmlns:p="http://schemas.openxmlformats.org/presentationml/2006/main">
+  <p:cSld>
+    <p:bg>
+      <p:bgPr>
+        <a:blipFill>
+          <a:blip r:embed="rId3"/>
+          <a:tile tx="0" ty="0" sx="100000" sy="100000" flip="none" algn="tl"/>
+        </a:blipFill>
+        <a:effectLst/>
+      </p:bgPr>
+    </p:bg>
+    <p:spTree>
+      <p:nvGrpSpPr>
+        <p:cNvPr id="1" name=""/>
+        <p:cNvGrpSpPr/>
+        <p:nvPr/>
+      </p:nvGrpSpPr>
+      <p:grpSpPr>
+        <a:xfrm>
+          <a:off x="0" y="0"/>
+          <a:ext cx="0" cy="0"/>
+          <a:chOff x="0" y="0"/>
+          <a:chExt cx="0" cy="0"/>
+        </a:xfrm>
+      </p:grpSpPr>
+      <p:sp>
+        <p:nvSpPr>
+          <p:cNvPr id="4" name="Rectangle 3"/>
+          <p:cNvSpPr/>
           <p:nvPr/>
-        </p:nvPicPr>
-        <p:blipFill>
-          <a:blip r:embed="rId4">
-            <a:extLst>
-              <a:ext uri="{28A0092B-C50C-407E-A947-70E740481C1C}">
-                <a14:useLocalDpi xmlns:a14="http://schemas.microsoft.com/office/drawing/2010/main" val="0"/>
-              </a:ext>
-            </a:extLst>
-          </a:blip>
-          <a:srcRect/>
-          <a:stretch>
-            <a:fillRect/>
-          </a:stretch>
-        </p:blipFill>
-        <p:spPr bwMode="auto">
+        </p:nvSpPr>
+        <p:spPr>
           <a:xfrm>
-            <a:off x="0" y="592428"/>
-            <a:ext cx="12192000" cy="6265572"/>
+            <a:off x="0" y="0"/>
+            <a:ext cx="12192000" cy="592428"/>
           </a:xfrm>
           <a:prstGeom prst="rect">
             <a:avLst/>
           </a:prstGeom>
-          <a:noFill/>
+          <a:solidFill>
+            <a:srgbClr val="00B0F0"/>
+          </a:solidFill>
           <a:ln>
-            <a:noFill/>
+            <a:solidFill>
+              <a:srgbClr val="00B0F0"/>
+            </a:solidFill>
           </a:ln>
-          <a:extLst>
-            <a:ext uri="{909E8E84-426E-40DD-AFC4-6F175D3DCCD1}">
-              <a14:hiddenFill xmlns:a14="http://schemas.microsoft.com/office/drawing/2010/main">
-                <a:solidFill>
-                  <a:schemeClr val="accent1"/>
-                </a:solidFill>
-              </a14:hiddenFill>
-            </a:ext>
-            <a:ext uri="{91240B29-F687-4F45-9708-019B960494DF}">
-              <a14:hiddenLine xmlns:a14="http://schemas.microsoft.com/office/drawing/2010/main" w="9525">
+        </p:spPr>
+        <p:style>
+          <a:lnRef idx="2">
+            <a:schemeClr val="accent6"/>
+          </a:lnRef>
+          <a:fillRef idx="1">
+            <a:schemeClr val="lt1"/>
+          </a:fillRef>
+          <a:effectRef idx="0">
+            <a:schemeClr val="accent6"/>
+          </a:effectRef>
+          <a:fontRef idx="minor">
+            <a:schemeClr val="dk1"/>
+          </a:fontRef>
+        </p:style>
+        <p:txBody>
+          <a:bodyPr rtlCol="0" anchor="ctr"/>
+          <a:lstStyle/>
+          <a:p>
+            <a:pPr algn="ctr"/>
+            <a:r>
+              <a:rPr lang="fr-FR" dirty="0" smtClean="0">
                 <a:solidFill>
                   <a:schemeClr val="tx1"/>
                 </a:solidFill>
-                <a:miter lim="800000"/>
-                <a:headEnd/>
-                <a:tailEnd/>
-              </a14:hiddenLine>
-            </a:ext>
-          </a:extLst>
+              </a:rPr>
+              <a:t>INTRODUCTION</a:t>
+            </a:r>
+            <a:endParaRPr lang="fr-FR" dirty="0">
+              <a:solidFill>
+                <a:schemeClr val="tx1"/>
+              </a:solidFill>
+            </a:endParaRPr>
+          </a:p>
+        </p:txBody>
+      </p:sp>
+      <p:sp>
+        <p:nvSpPr>
+          <p:cNvPr id="5" name="Rectangle 4"/>
+          <p:cNvSpPr/>
+          <p:nvPr/>
+        </p:nvSpPr>
+        <p:spPr>
+          <a:xfrm>
+            <a:off x="207818" y="1166843"/>
+            <a:ext cx="11790218" cy="4154984"/>
+          </a:xfrm>
+          <a:prstGeom prst="rect">
+            <a:avLst/>
+          </a:prstGeom>
         </p:spPr>
-      </p:pic>
+        <p:txBody>
+          <a:bodyPr wrap="square">
+            <a:spAutoFit/>
+          </a:bodyPr>
+          <a:lstStyle/>
+          <a:p>
+            <a:r>
+              <a:rPr lang="fr-FR" sz="2400" dirty="0"/>
+              <a:t>La conteneurisation est une approche du développement de logiciels dans laquelle une application ou un service, ses dépendances et sa configuration sont regroupés sous la forme d'une image de conteneur. L'application conteneurisée peut être testée en tant qu'unité et déployée en tant qu'instance d'image de conteneur sur le système d'exploitation hôte. Tout comme les conteneurs d'expédition permettent le transport de marchandises par bateau, train ou camion indépendamment de la cargaison à l'intérieur, les conteneurs de logiciels agissent comme une unité standard de logiciel pouvant contenir un code et des dépendances différents. De cette manière, le logiciel de conteneurisation permet aux développeurs et aux professionnels de l'informatique de les déployer dans des environnements avec peu ou pas de modifications. Les conteneurs isolent également les applications les unes des autres sur un système d'exploitation partagé.</a:t>
+            </a:r>
+          </a:p>
+        </p:txBody>
+      </p:sp>
+      <p:sp>
+        <p:nvSpPr>
+          <p:cNvPr id="6" name="Espace réservé pour une image  5"/>
+          <p:cNvSpPr>
+            <a:spLocks noGrp="1"/>
+          </p:cNvSpPr>
+          <p:nvPr>
+            <p:ph type="pic" sz="quarter" idx="13"/>
+          </p:nvPr>
+        </p:nvSpPr>
+        <p:spPr>
+          <a:noFill/>
+        </p:spPr>
+      </p:sp>
     </p:spTree>
     <p:extLst>
       <p:ext uri="{BB962C8B-B14F-4D97-AF65-F5344CB8AC3E}">
@@ -4231,21 +5095,39 @@
                                   </p:childTnLst>
                                 </p:cTn>
                               </p:par>
+                            </p:childTnLst>
+                          </p:cTn>
+                        </p:par>
+                      </p:childTnLst>
+                    </p:cTn>
+                  </p:par>
+                  <p:par>
+                    <p:cTn id="8" fill="hold">
+                      <p:stCondLst>
+                        <p:cond delay="indefinite"/>
+                      </p:stCondLst>
+                      <p:childTnLst>
+                        <p:par>
+                          <p:cTn id="9" fill="hold">
+                            <p:stCondLst>
+                              <p:cond delay="0"/>
+                            </p:stCondLst>
+                            <p:childTnLst>
                               <p:par>
-                                <p:cTn id="8" presetID="16" presetClass="entr" presetSubtype="21" fill="hold" nodeType="withEffect">
+                                <p:cTn id="10" presetID="16" presetClass="entr" presetSubtype="21" fill="hold" grpId="0" nodeType="clickEffect">
                                   <p:stCondLst>
                                     <p:cond delay="0"/>
                                   </p:stCondLst>
                                   <p:childTnLst>
                                     <p:set>
                                       <p:cBhvr>
-                                        <p:cTn id="9" dur="1" fill="hold">
+                                        <p:cTn id="11" dur="1" fill="hold">
                                           <p:stCondLst>
                                             <p:cond delay="0"/>
                                           </p:stCondLst>
                                         </p:cTn>
                                         <p:tgtEl>
-                                          <p:spTgt spid="3"/>
+                                          <p:spTgt spid="5"/>
                                         </p:tgtEl>
                                         <p:attrNameLst>
                                           <p:attrName>style.visibility</p:attrName>
@@ -4257,62 +5139,9 @@
                                     </p:set>
                                     <p:animEffect transition="in" filter="barn(inVertical)">
                                       <p:cBhvr>
-                                        <p:cTn id="10" dur="500"/>
+                                        <p:cTn id="12" dur="500"/>
                                         <p:tgtEl>
-                                          <p:spTgt spid="3"/>
-                                        </p:tgtEl>
-                                      </p:cBhvr>
-                                    </p:animEffect>
-                                  </p:childTnLst>
-                                </p:cTn>
-                              </p:par>
-                            </p:childTnLst>
-                          </p:cTn>
-                        </p:par>
-                      </p:childTnLst>
-                    </p:cTn>
-                  </p:par>
-                  <p:par>
-                    <p:cTn id="11" fill="hold">
-                      <p:stCondLst>
-                        <p:cond delay="indefinite"/>
-                      </p:stCondLst>
-                      <p:childTnLst>
-                        <p:par>
-                          <p:cTn id="12" fill="hold">
-                            <p:stCondLst>
-                              <p:cond delay="0"/>
-                            </p:stCondLst>
-                            <p:childTnLst>
-                              <p:par>
-                                <p:cTn id="13" presetID="16" presetClass="entr" presetSubtype="21" fill="hold" nodeType="clickEffect">
-                                  <p:stCondLst>
-                                    <p:cond delay="0"/>
-                                  </p:stCondLst>
-                                  <p:childTnLst>
-                                    <p:set>
-                                      <p:cBhvr>
-                                        <p:cTn id="14" dur="1" fill="hold">
-                                          <p:stCondLst>
-                                            <p:cond delay="0"/>
-                                          </p:stCondLst>
-                                        </p:cTn>
-                                        <p:tgtEl>
-                                          <p:spTgt spid="8"/>
-                                        </p:tgtEl>
-                                        <p:attrNameLst>
-                                          <p:attrName>style.visibility</p:attrName>
-                                        </p:attrNameLst>
-                                      </p:cBhvr>
-                                      <p:to>
-                                        <p:strVal val="visible"/>
-                                      </p:to>
-                                    </p:set>
-                                    <p:animEffect transition="in" filter="barn(inVertical)">
-                                      <p:cBhvr>
-                                        <p:cTn id="15" dur="500"/>
-                                        <p:tgtEl>
-                                          <p:spTgt spid="8"/>
+                                          <p:spTgt spid="5"/>
                                         </p:tgtEl>
                                       </p:cBhvr>
                                     </p:animEffect>
@@ -4348,12 +5177,13 @@
     </p:tnLst>
     <p:bldLst>
       <p:bldP spid="4" grpId="0" animBg="1"/>
+      <p:bldP spid="5" grpId="0"/>
     </p:bldLst>
   </p:timing>
 </p:sld>
 </file>
 
-<file path=ppt/slides/slide3.xml><?xml version="1.0" encoding="utf-8"?>
+<file path=ppt/slides/slide4.xml><?xml version="1.0" encoding="utf-8"?>
 <p:sld xmlns:a="http://schemas.openxmlformats.org/drawingml/2006/main" xmlns:r="http://schemas.openxmlformats.org/officeDocument/2006/relationships" xmlns:p="http://schemas.openxmlformats.org/presentationml/2006/main">
   <p:cSld>
     <p:spTree>
@@ -4624,7 +5454,7 @@
         </p:blipFill>
         <p:spPr>
           <a:xfrm>
-            <a:off x="343827" y="1184130"/>
+            <a:off x="485836" y="1061782"/>
             <a:ext cx="11314774" cy="5469165"/>
           </a:xfrm>
           <a:prstGeom prst="rect">
@@ -4642,11 +5472,11 @@
   <p:clrMapOvr>
     <a:masterClrMapping/>
   </p:clrMapOvr>
-  <mc:AlternateContent xmlns:mc="http://schemas.openxmlformats.org/markup-compatibility/2006" xmlns:p14="http://schemas.microsoft.com/office/powerpoint/2010/main">
-    <mc:Choice Requires="p14">
-      <p:transition p14:dur="0"/>
+  <mc:AlternateContent xmlns:mc="http://schemas.openxmlformats.org/markup-compatibility/2006">
+    <mc:Choice xmlns:p14="http://schemas.microsoft.com/office/powerpoint/2010/main" Requires="p14">
+      <p:transition p14:dur="10"/>
     </mc:Choice>
-    <mc:Fallback xmlns="">
+    <mc:Fallback>
       <p:transition/>
     </mc:Fallback>
   </mc:AlternateContent>
@@ -4933,7 +5763,522 @@
 </p:sld>
 </file>
 
-<file path=ppt/slides/slide4.xml><?xml version="1.0" encoding="utf-8"?>
+<file path=ppt/slides/slide5.xml><?xml version="1.0" encoding="utf-8"?>
+<p:sld xmlns:a="http://schemas.openxmlformats.org/drawingml/2006/main" xmlns:r="http://schemas.openxmlformats.org/officeDocument/2006/relationships" xmlns:p="http://schemas.openxmlformats.org/presentationml/2006/main">
+  <p:cSld>
+    <p:spTree>
+      <p:nvGrpSpPr>
+        <p:cNvPr id="1" name=""/>
+        <p:cNvGrpSpPr/>
+        <p:nvPr/>
+      </p:nvGrpSpPr>
+      <p:grpSpPr>
+        <a:xfrm>
+          <a:off x="0" y="0"/>
+          <a:ext cx="0" cy="0"/>
+          <a:chOff x="0" y="0"/>
+          <a:chExt cx="0" cy="0"/>
+        </a:xfrm>
+      </p:grpSpPr>
+      <p:pic>
+        <p:nvPicPr>
+          <p:cNvPr id="6" name="Espace réservé du contenu 5"/>
+          <p:cNvPicPr>
+            <a:picLocks noGrp="1" noChangeAspect="1"/>
+          </p:cNvPicPr>
+          <p:nvPr>
+            <p:ph sz="half" idx="1"/>
+          </p:nvPr>
+        </p:nvPicPr>
+        <p:blipFill>
+          <a:blip r:embed="rId2"/>
+          <a:stretch>
+            <a:fillRect/>
+          </a:stretch>
+        </p:blipFill>
+        <p:spPr>
+          <a:xfrm>
+            <a:off x="0" y="1146220"/>
+            <a:ext cx="6172200" cy="5210130"/>
+          </a:xfrm>
+          <a:prstGeom prst="rect">
+            <a:avLst/>
+          </a:prstGeom>
+        </p:spPr>
+      </p:pic>
+      <p:sp>
+        <p:nvSpPr>
+          <p:cNvPr id="4" name="Espace réservé du contenu 3"/>
+          <p:cNvSpPr>
+            <a:spLocks noGrp="1"/>
+          </p:cNvSpPr>
+          <p:nvPr>
+            <p:ph sz="half" idx="2"/>
+          </p:nvPr>
+        </p:nvSpPr>
+        <p:spPr/>
+        <p:txBody>
+          <a:bodyPr/>
+          <a:lstStyle/>
+          <a:p>
+            <a:pPr marL="0" indent="0">
+              <a:buNone/>
+            </a:pPr>
+            <a:endParaRPr lang="fr-FR" dirty="0" smtClean="0"/>
+          </a:p>
+          <a:p>
+            <a:pPr marL="0" indent="0">
+              <a:buNone/>
+            </a:pPr>
+            <a:r>
+              <a:rPr lang="fr-FR" dirty="0" smtClean="0"/>
+              <a:t>Optimiser </a:t>
+            </a:r>
+            <a:r>
+              <a:rPr lang="fr-FR" dirty="0"/>
+              <a:t>le </a:t>
+            </a:r>
+            <a:r>
+              <a:rPr lang="fr-FR" dirty="0" smtClean="0"/>
+              <a:t>développement</a:t>
+            </a:r>
+          </a:p>
+          <a:p>
+            <a:endParaRPr lang="fr-FR" dirty="0"/>
+          </a:p>
+          <a:p>
+            <a:pPr marL="0" indent="0">
+              <a:buNone/>
+            </a:pPr>
+            <a:r>
+              <a:rPr lang="fr-FR" dirty="0"/>
+              <a:t>Être plus </a:t>
+            </a:r>
+            <a:r>
+              <a:rPr lang="fr-FR" dirty="0" smtClean="0"/>
+              <a:t>réactif</a:t>
+            </a:r>
+          </a:p>
+          <a:p>
+            <a:endParaRPr lang="fr-FR" dirty="0"/>
+          </a:p>
+          <a:p>
+            <a:pPr marL="0" indent="0">
+              <a:buNone/>
+            </a:pPr>
+            <a:r>
+              <a:rPr lang="fr-FR" dirty="0"/>
+              <a:t>Avoir une certaine harmonie dans le développement d’un projet informatique</a:t>
+            </a:r>
+          </a:p>
+          <a:p>
+            <a:pPr marL="0" indent="0">
+              <a:buNone/>
+            </a:pPr>
+            <a:endParaRPr lang="fr-FR" dirty="0"/>
+          </a:p>
+        </p:txBody>
+      </p:sp>
+      <p:sp>
+        <p:nvSpPr>
+          <p:cNvPr id="5" name="Espace réservé du numéro de diapositive 4"/>
+          <p:cNvSpPr>
+            <a:spLocks noGrp="1"/>
+          </p:cNvSpPr>
+          <p:nvPr>
+            <p:ph type="sldNum" sz="quarter" idx="12"/>
+          </p:nvPr>
+        </p:nvSpPr>
+        <p:spPr/>
+        <p:txBody>
+          <a:bodyPr/>
+          <a:lstStyle/>
+          <a:p>
+            <a:fld id="{AB88928B-9622-48EC-9EA5-614F3AC2BC76}" type="slidenum">
+              <a:rPr lang="fr-FR" smtClean="0"/>
+              <a:t>5</a:t>
+            </a:fld>
+            <a:endParaRPr lang="fr-FR"/>
+          </a:p>
+        </p:txBody>
+      </p:sp>
+      <p:sp>
+        <p:nvSpPr>
+          <p:cNvPr id="8" name="Rectangle 7"/>
+          <p:cNvSpPr/>
+          <p:nvPr/>
+        </p:nvSpPr>
+        <p:spPr>
+          <a:xfrm>
+            <a:off x="0" y="0"/>
+            <a:ext cx="12192000" cy="592428"/>
+          </a:xfrm>
+          <a:prstGeom prst="rect">
+            <a:avLst/>
+          </a:prstGeom>
+          <a:solidFill>
+            <a:srgbClr val="00B0F0"/>
+          </a:solidFill>
+          <a:ln>
+            <a:solidFill>
+              <a:srgbClr val="00B0F0"/>
+            </a:solidFill>
+          </a:ln>
+        </p:spPr>
+        <p:style>
+          <a:lnRef idx="2">
+            <a:schemeClr val="accent6"/>
+          </a:lnRef>
+          <a:fillRef idx="1">
+            <a:schemeClr val="lt1"/>
+          </a:fillRef>
+          <a:effectRef idx="0">
+            <a:schemeClr val="accent6"/>
+          </a:effectRef>
+          <a:fontRef idx="minor">
+            <a:schemeClr val="dk1"/>
+          </a:fontRef>
+        </p:style>
+        <p:txBody>
+          <a:bodyPr rtlCol="0" anchor="ctr"/>
+          <a:lstStyle/>
+          <a:p>
+            <a:pPr algn="ctr"/>
+            <a:r>
+              <a:rPr lang="fr-FR" dirty="0" smtClean="0">
+                <a:solidFill>
+                  <a:schemeClr val="tx1"/>
+                </a:solidFill>
+              </a:rPr>
+              <a:t>MOTIVATION</a:t>
+            </a:r>
+            <a:endParaRPr lang="fr-FR" dirty="0">
+              <a:solidFill>
+                <a:schemeClr val="tx1"/>
+              </a:solidFill>
+            </a:endParaRPr>
+          </a:p>
+        </p:txBody>
+      </p:sp>
+    </p:spTree>
+    <p:extLst>
+      <p:ext uri="{BB962C8B-B14F-4D97-AF65-F5344CB8AC3E}">
+        <p14:creationId xmlns:p14="http://schemas.microsoft.com/office/powerpoint/2010/main" val="4199780645"/>
+      </p:ext>
+    </p:extLst>
+  </p:cSld>
+  <p:clrMapOvr>
+    <a:masterClrMapping/>
+  </p:clrMapOvr>
+  <p:timing>
+    <p:tnLst>
+      <p:par>
+        <p:cTn id="1" dur="indefinite" restart="never" nodeType="tmRoot">
+          <p:childTnLst>
+            <p:seq concurrent="1" nextAc="seek">
+              <p:cTn id="2" dur="indefinite" nodeType="mainSeq">
+                <p:childTnLst>
+                  <p:par>
+                    <p:cTn id="3" fill="hold">
+                      <p:stCondLst>
+                        <p:cond delay="indefinite"/>
+                      </p:stCondLst>
+                      <p:childTnLst>
+                        <p:par>
+                          <p:cTn id="4" fill="hold">
+                            <p:stCondLst>
+                              <p:cond delay="0"/>
+                            </p:stCondLst>
+                            <p:childTnLst>
+                              <p:par>
+                                <p:cTn id="5" presetID="16" presetClass="entr" presetSubtype="21" fill="hold" grpId="0" nodeType="clickEffect">
+                                  <p:stCondLst>
+                                    <p:cond delay="0"/>
+                                  </p:stCondLst>
+                                  <p:childTnLst>
+                                    <p:set>
+                                      <p:cBhvr>
+                                        <p:cTn id="6" dur="1" fill="hold">
+                                          <p:stCondLst>
+                                            <p:cond delay="0"/>
+                                          </p:stCondLst>
+                                        </p:cTn>
+                                        <p:tgtEl>
+                                          <p:spTgt spid="8"/>
+                                        </p:tgtEl>
+                                        <p:attrNameLst>
+                                          <p:attrName>style.visibility</p:attrName>
+                                        </p:attrNameLst>
+                                      </p:cBhvr>
+                                      <p:to>
+                                        <p:strVal val="visible"/>
+                                      </p:to>
+                                    </p:set>
+                                    <p:animEffect transition="in" filter="barn(inVertical)">
+                                      <p:cBhvr>
+                                        <p:cTn id="7" dur="500"/>
+                                        <p:tgtEl>
+                                          <p:spTgt spid="8"/>
+                                        </p:tgtEl>
+                                      </p:cBhvr>
+                                    </p:animEffect>
+                                  </p:childTnLst>
+                                </p:cTn>
+                              </p:par>
+                              <p:par>
+                                <p:cTn id="8" presetID="16" presetClass="entr" presetSubtype="21" fill="hold" nodeType="withEffect">
+                                  <p:stCondLst>
+                                    <p:cond delay="0"/>
+                                  </p:stCondLst>
+                                  <p:childTnLst>
+                                    <p:set>
+                                      <p:cBhvr>
+                                        <p:cTn id="9" dur="1" fill="hold">
+                                          <p:stCondLst>
+                                            <p:cond delay="0"/>
+                                          </p:stCondLst>
+                                        </p:cTn>
+                                        <p:tgtEl>
+                                          <p:spTgt spid="6"/>
+                                        </p:tgtEl>
+                                        <p:attrNameLst>
+                                          <p:attrName>style.visibility</p:attrName>
+                                        </p:attrNameLst>
+                                      </p:cBhvr>
+                                      <p:to>
+                                        <p:strVal val="visible"/>
+                                      </p:to>
+                                    </p:set>
+                                    <p:animEffect transition="in" filter="barn(inVertical)">
+                                      <p:cBhvr>
+                                        <p:cTn id="10" dur="500"/>
+                                        <p:tgtEl>
+                                          <p:spTgt spid="6"/>
+                                        </p:tgtEl>
+                                      </p:cBhvr>
+                                    </p:animEffect>
+                                  </p:childTnLst>
+                                </p:cTn>
+                              </p:par>
+                            </p:childTnLst>
+                          </p:cTn>
+                        </p:par>
+                      </p:childTnLst>
+                    </p:cTn>
+                  </p:par>
+                  <p:par>
+                    <p:cTn id="11" fill="hold">
+                      <p:stCondLst>
+                        <p:cond delay="indefinite"/>
+                      </p:stCondLst>
+                      <p:childTnLst>
+                        <p:par>
+                          <p:cTn id="12" fill="hold">
+                            <p:stCondLst>
+                              <p:cond delay="0"/>
+                            </p:stCondLst>
+                            <p:childTnLst>
+                              <p:par>
+                                <p:cTn id="13" presetID="16" presetClass="entr" presetSubtype="21" fill="hold" grpId="0" nodeType="clickEffect">
+                                  <p:stCondLst>
+                                    <p:cond delay="0"/>
+                                  </p:stCondLst>
+                                  <p:childTnLst>
+                                    <p:set>
+                                      <p:cBhvr>
+                                        <p:cTn id="14" dur="1" fill="hold">
+                                          <p:stCondLst>
+                                            <p:cond delay="0"/>
+                                          </p:stCondLst>
+                                        </p:cTn>
+                                        <p:tgtEl>
+                                          <p:spTgt spid="4">
+                                            <p:txEl>
+                                              <p:pRg st="1" end="1"/>
+                                            </p:txEl>
+                                          </p:spTgt>
+                                        </p:tgtEl>
+                                        <p:attrNameLst>
+                                          <p:attrName>style.visibility</p:attrName>
+                                        </p:attrNameLst>
+                                      </p:cBhvr>
+                                      <p:to>
+                                        <p:strVal val="visible"/>
+                                      </p:to>
+                                    </p:set>
+                                    <p:animEffect transition="in" filter="barn(inVertical)">
+                                      <p:cBhvr>
+                                        <p:cTn id="15" dur="500"/>
+                                        <p:tgtEl>
+                                          <p:spTgt spid="4">
+                                            <p:txEl>
+                                              <p:pRg st="1" end="1"/>
+                                            </p:txEl>
+                                          </p:spTgt>
+                                        </p:tgtEl>
+                                      </p:cBhvr>
+                                    </p:animEffect>
+                                  </p:childTnLst>
+                                </p:cTn>
+                              </p:par>
+                            </p:childTnLst>
+                          </p:cTn>
+                        </p:par>
+                      </p:childTnLst>
+                    </p:cTn>
+                  </p:par>
+                  <p:par>
+                    <p:cTn id="16" fill="hold">
+                      <p:stCondLst>
+                        <p:cond delay="indefinite"/>
+                      </p:stCondLst>
+                      <p:childTnLst>
+                        <p:par>
+                          <p:cTn id="17" fill="hold">
+                            <p:stCondLst>
+                              <p:cond delay="0"/>
+                            </p:stCondLst>
+                            <p:childTnLst>
+                              <p:par>
+                                <p:cTn id="18" presetID="16" presetClass="entr" presetSubtype="21" fill="hold" grpId="0" nodeType="clickEffect">
+                                  <p:stCondLst>
+                                    <p:cond delay="0"/>
+                                  </p:stCondLst>
+                                  <p:childTnLst>
+                                    <p:set>
+                                      <p:cBhvr>
+                                        <p:cTn id="19" dur="1" fill="hold">
+                                          <p:stCondLst>
+                                            <p:cond delay="0"/>
+                                          </p:stCondLst>
+                                        </p:cTn>
+                                        <p:tgtEl>
+                                          <p:spTgt spid="4">
+                                            <p:txEl>
+                                              <p:pRg st="3" end="3"/>
+                                            </p:txEl>
+                                          </p:spTgt>
+                                        </p:tgtEl>
+                                        <p:attrNameLst>
+                                          <p:attrName>style.visibility</p:attrName>
+                                        </p:attrNameLst>
+                                      </p:cBhvr>
+                                      <p:to>
+                                        <p:strVal val="visible"/>
+                                      </p:to>
+                                    </p:set>
+                                    <p:animEffect transition="in" filter="barn(inVertical)">
+                                      <p:cBhvr>
+                                        <p:cTn id="20" dur="500"/>
+                                        <p:tgtEl>
+                                          <p:spTgt spid="4">
+                                            <p:txEl>
+                                              <p:pRg st="3" end="3"/>
+                                            </p:txEl>
+                                          </p:spTgt>
+                                        </p:tgtEl>
+                                      </p:cBhvr>
+                                    </p:animEffect>
+                                  </p:childTnLst>
+                                </p:cTn>
+                              </p:par>
+                            </p:childTnLst>
+                          </p:cTn>
+                        </p:par>
+                      </p:childTnLst>
+                    </p:cTn>
+                  </p:par>
+                  <p:par>
+                    <p:cTn id="21" fill="hold">
+                      <p:stCondLst>
+                        <p:cond delay="indefinite"/>
+                      </p:stCondLst>
+                      <p:childTnLst>
+                        <p:par>
+                          <p:cTn id="22" fill="hold">
+                            <p:stCondLst>
+                              <p:cond delay="0"/>
+                            </p:stCondLst>
+                            <p:childTnLst>
+                              <p:par>
+                                <p:cTn id="23" presetID="16" presetClass="entr" presetSubtype="21" fill="hold" grpId="0" nodeType="clickEffect">
+                                  <p:stCondLst>
+                                    <p:cond delay="0"/>
+                                  </p:stCondLst>
+                                  <p:childTnLst>
+                                    <p:set>
+                                      <p:cBhvr>
+                                        <p:cTn id="24" dur="1" fill="hold">
+                                          <p:stCondLst>
+                                            <p:cond delay="0"/>
+                                          </p:stCondLst>
+                                        </p:cTn>
+                                        <p:tgtEl>
+                                          <p:spTgt spid="4">
+                                            <p:txEl>
+                                              <p:pRg st="5" end="5"/>
+                                            </p:txEl>
+                                          </p:spTgt>
+                                        </p:tgtEl>
+                                        <p:attrNameLst>
+                                          <p:attrName>style.visibility</p:attrName>
+                                        </p:attrNameLst>
+                                      </p:cBhvr>
+                                      <p:to>
+                                        <p:strVal val="visible"/>
+                                      </p:to>
+                                    </p:set>
+                                    <p:animEffect transition="in" filter="barn(inVertical)">
+                                      <p:cBhvr>
+                                        <p:cTn id="25" dur="500"/>
+                                        <p:tgtEl>
+                                          <p:spTgt spid="4">
+                                            <p:txEl>
+                                              <p:pRg st="5" end="5"/>
+                                            </p:txEl>
+                                          </p:spTgt>
+                                        </p:tgtEl>
+                                      </p:cBhvr>
+                                    </p:animEffect>
+                                  </p:childTnLst>
+                                </p:cTn>
+                              </p:par>
+                            </p:childTnLst>
+                          </p:cTn>
+                        </p:par>
+                      </p:childTnLst>
+                    </p:cTn>
+                  </p:par>
+                </p:childTnLst>
+              </p:cTn>
+              <p:prevCondLst>
+                <p:cond evt="onPrev" delay="0">
+                  <p:tgtEl>
+                    <p:sldTgt/>
+                  </p:tgtEl>
+                </p:cond>
+              </p:prevCondLst>
+              <p:nextCondLst>
+                <p:cond evt="onNext" delay="0">
+                  <p:tgtEl>
+                    <p:sldTgt/>
+                  </p:tgtEl>
+                </p:cond>
+              </p:nextCondLst>
+            </p:seq>
+          </p:childTnLst>
+        </p:cTn>
+      </p:par>
+    </p:tnLst>
+    <p:bldLst>
+      <p:bldP spid="4" grpId="0" build="p"/>
+      <p:bldP spid="8" grpId="0" animBg="1"/>
+    </p:bldLst>
+  </p:timing>
+</p:sld>
+</file>
+
+<file path=ppt/slides/slide6.xml><?xml version="1.0" encoding="utf-8"?>
 <p:sld xmlns:a="http://schemas.openxmlformats.org/drawingml/2006/main" xmlns:r="http://schemas.openxmlformats.org/officeDocument/2006/relationships" xmlns:p="http://schemas.openxmlformats.org/presentationml/2006/main">
   <p:cSld>
     <p:spTree>
@@ -5048,7 +6393,7 @@
         </p:blipFill>
         <p:spPr>
           <a:xfrm>
-            <a:off x="401782" y="1095374"/>
+            <a:off x="325582" y="1095374"/>
             <a:ext cx="11540836" cy="5624081"/>
           </a:xfrm>
           <a:prstGeom prst="rect">
@@ -5056,6 +6401,396 @@
           </a:prstGeom>
         </p:spPr>
       </p:pic>
+      <p:sp>
+        <p:nvSpPr>
+          <p:cNvPr id="5" name="Ellipse 4"/>
+          <p:cNvSpPr/>
+          <p:nvPr/>
+        </p:nvSpPr>
+        <p:spPr>
+          <a:xfrm>
+            <a:off x="2803300" y="2407697"/>
+            <a:ext cx="746975" cy="824249"/>
+          </a:xfrm>
+          <a:prstGeom prst="ellipse">
+            <a:avLst/>
+          </a:prstGeom>
+          <a:solidFill>
+            <a:schemeClr val="accent1">
+              <a:lumMod val="75000"/>
+            </a:schemeClr>
+          </a:solidFill>
+          <a:ln>
+            <a:solidFill>
+              <a:schemeClr val="tx1"/>
+            </a:solidFill>
+          </a:ln>
+        </p:spPr>
+        <p:style>
+          <a:lnRef idx="2">
+            <a:schemeClr val="accent1">
+              <a:shade val="50000"/>
+            </a:schemeClr>
+          </a:lnRef>
+          <a:fillRef idx="1">
+            <a:schemeClr val="accent1"/>
+          </a:fillRef>
+          <a:effectRef idx="0">
+            <a:schemeClr val="accent1"/>
+          </a:effectRef>
+          <a:fontRef idx="minor">
+            <a:schemeClr val="lt1"/>
+          </a:fontRef>
+        </p:style>
+        <p:txBody>
+          <a:bodyPr rtlCol="0" anchor="ctr"/>
+          <a:lstStyle/>
+          <a:p>
+            <a:pPr algn="ctr"/>
+            <a:r>
+              <a:rPr lang="fr-FR" sz="4400" b="1" dirty="0">
+                <a:ln w="12700">
+                  <a:solidFill>
+                    <a:srgbClr val="0066FF"/>
+                  </a:solidFill>
+                  <a:prstDash val="solid"/>
+                </a:ln>
+                <a:effectLst>
+                  <a:outerShdw dist="38100" dir="2640000" algn="bl" rotWithShape="0">
+                    <a:schemeClr val="accent1"/>
+                  </a:outerShdw>
+                </a:effectLst>
+              </a:rPr>
+              <a:t>1</a:t>
+            </a:r>
+            <a:endParaRPr lang="fr-FR" sz="4400" b="1" dirty="0">
+              <a:ln w="12700">
+                <a:solidFill>
+                  <a:srgbClr val="0066FF"/>
+                </a:solidFill>
+                <a:prstDash val="solid"/>
+              </a:ln>
+              <a:effectLst>
+                <a:outerShdw dist="38100" dir="2640000" algn="bl" rotWithShape="0">
+                  <a:schemeClr val="accent1"/>
+                </a:outerShdw>
+              </a:effectLst>
+            </a:endParaRPr>
+          </a:p>
+        </p:txBody>
+      </p:sp>
+      <p:sp>
+        <p:nvSpPr>
+          <p:cNvPr id="11" name="Ellipse 10"/>
+          <p:cNvSpPr/>
+          <p:nvPr/>
+        </p:nvSpPr>
+        <p:spPr>
+          <a:xfrm>
+            <a:off x="7123577" y="1635625"/>
+            <a:ext cx="746975" cy="824249"/>
+          </a:xfrm>
+          <a:prstGeom prst="ellipse">
+            <a:avLst/>
+          </a:prstGeom>
+          <a:solidFill>
+            <a:schemeClr val="accent1">
+              <a:lumMod val="75000"/>
+            </a:schemeClr>
+          </a:solidFill>
+          <a:ln>
+            <a:solidFill>
+              <a:schemeClr val="tx1"/>
+            </a:solidFill>
+          </a:ln>
+        </p:spPr>
+        <p:style>
+          <a:lnRef idx="2">
+            <a:schemeClr val="accent1">
+              <a:shade val="50000"/>
+            </a:schemeClr>
+          </a:lnRef>
+          <a:fillRef idx="1">
+            <a:schemeClr val="accent1"/>
+          </a:fillRef>
+          <a:effectRef idx="0">
+            <a:schemeClr val="accent1"/>
+          </a:effectRef>
+          <a:fontRef idx="minor">
+            <a:schemeClr val="lt1"/>
+          </a:fontRef>
+        </p:style>
+        <p:txBody>
+          <a:bodyPr rtlCol="0" anchor="ctr"/>
+          <a:lstStyle/>
+          <a:p>
+            <a:pPr algn="ctr"/>
+            <a:r>
+              <a:rPr lang="fr-FR" sz="4400" b="1" dirty="0" smtClean="0">
+                <a:ln w="12700">
+                  <a:solidFill>
+                    <a:srgbClr val="0066FF"/>
+                  </a:solidFill>
+                  <a:prstDash val="solid"/>
+                </a:ln>
+                <a:effectLst>
+                  <a:outerShdw dist="38100" dir="2640000" algn="bl" rotWithShape="0">
+                    <a:schemeClr val="accent1"/>
+                  </a:outerShdw>
+                </a:effectLst>
+              </a:rPr>
+              <a:t>2</a:t>
+            </a:r>
+            <a:endParaRPr lang="fr-FR" sz="4400" b="1" dirty="0">
+              <a:ln w="12700">
+                <a:solidFill>
+                  <a:srgbClr val="0066FF"/>
+                </a:solidFill>
+                <a:prstDash val="solid"/>
+              </a:ln>
+              <a:effectLst>
+                <a:outerShdw dist="38100" dir="2640000" algn="bl" rotWithShape="0">
+                  <a:schemeClr val="accent1"/>
+                </a:outerShdw>
+              </a:effectLst>
+            </a:endParaRPr>
+          </a:p>
+        </p:txBody>
+      </p:sp>
+      <p:sp>
+        <p:nvSpPr>
+          <p:cNvPr id="12" name="Ellipse 11"/>
+          <p:cNvSpPr/>
+          <p:nvPr/>
+        </p:nvSpPr>
+        <p:spPr>
+          <a:xfrm>
+            <a:off x="9113946" y="1385716"/>
+            <a:ext cx="746975" cy="824249"/>
+          </a:xfrm>
+          <a:prstGeom prst="ellipse">
+            <a:avLst/>
+          </a:prstGeom>
+          <a:solidFill>
+            <a:schemeClr val="accent1">
+              <a:lumMod val="75000"/>
+            </a:schemeClr>
+          </a:solidFill>
+          <a:ln>
+            <a:solidFill>
+              <a:schemeClr val="tx1"/>
+            </a:solidFill>
+          </a:ln>
+        </p:spPr>
+        <p:style>
+          <a:lnRef idx="2">
+            <a:schemeClr val="accent1">
+              <a:shade val="50000"/>
+            </a:schemeClr>
+          </a:lnRef>
+          <a:fillRef idx="1">
+            <a:schemeClr val="accent1"/>
+          </a:fillRef>
+          <a:effectRef idx="0">
+            <a:schemeClr val="accent1"/>
+          </a:effectRef>
+          <a:fontRef idx="minor">
+            <a:schemeClr val="lt1"/>
+          </a:fontRef>
+        </p:style>
+        <p:txBody>
+          <a:bodyPr rtlCol="0" anchor="ctr"/>
+          <a:lstStyle/>
+          <a:p>
+            <a:pPr algn="ctr"/>
+            <a:r>
+              <a:rPr lang="fr-FR" sz="4400" b="1" dirty="0" smtClean="0">
+                <a:ln w="12700">
+                  <a:solidFill>
+                    <a:srgbClr val="0066FF"/>
+                  </a:solidFill>
+                  <a:prstDash val="solid"/>
+                </a:ln>
+                <a:effectLst>
+                  <a:outerShdw dist="38100" dir="2640000" algn="bl" rotWithShape="0">
+                    <a:schemeClr val="accent1"/>
+                  </a:outerShdw>
+                </a:effectLst>
+              </a:rPr>
+              <a:t>3</a:t>
+            </a:r>
+            <a:endParaRPr lang="fr-FR" sz="4400" b="1" dirty="0">
+              <a:ln w="12700">
+                <a:solidFill>
+                  <a:srgbClr val="0066FF"/>
+                </a:solidFill>
+                <a:prstDash val="solid"/>
+              </a:ln>
+              <a:effectLst>
+                <a:outerShdw dist="38100" dir="2640000" algn="bl" rotWithShape="0">
+                  <a:schemeClr val="accent1"/>
+                </a:outerShdw>
+              </a:effectLst>
+            </a:endParaRPr>
+          </a:p>
+        </p:txBody>
+      </p:sp>
+      <p:sp>
+        <p:nvSpPr>
+          <p:cNvPr id="13" name="Ellipse 12"/>
+          <p:cNvSpPr/>
+          <p:nvPr/>
+        </p:nvSpPr>
+        <p:spPr>
+          <a:xfrm>
+            <a:off x="7259388" y="3000124"/>
+            <a:ext cx="746975" cy="842243"/>
+          </a:xfrm>
+          <a:prstGeom prst="ellipse">
+            <a:avLst/>
+          </a:prstGeom>
+          <a:solidFill>
+            <a:schemeClr val="accent1">
+              <a:lumMod val="75000"/>
+            </a:schemeClr>
+          </a:solidFill>
+          <a:ln>
+            <a:solidFill>
+              <a:schemeClr val="tx1"/>
+            </a:solidFill>
+          </a:ln>
+        </p:spPr>
+        <p:style>
+          <a:lnRef idx="2">
+            <a:schemeClr val="accent1">
+              <a:shade val="50000"/>
+            </a:schemeClr>
+          </a:lnRef>
+          <a:fillRef idx="1">
+            <a:schemeClr val="accent1"/>
+          </a:fillRef>
+          <a:effectRef idx="0">
+            <a:schemeClr val="accent1"/>
+          </a:effectRef>
+          <a:fontRef idx="minor">
+            <a:schemeClr val="lt1"/>
+          </a:fontRef>
+        </p:style>
+        <p:txBody>
+          <a:bodyPr rtlCol="0" anchor="ctr"/>
+          <a:lstStyle/>
+          <a:p>
+            <a:pPr algn="ctr"/>
+            <a:r>
+              <a:rPr lang="fr-FR" sz="4400" b="1" dirty="0">
+                <a:ln w="12700">
+                  <a:solidFill>
+                    <a:srgbClr val="0066FF"/>
+                  </a:solidFill>
+                  <a:prstDash val="solid"/>
+                </a:ln>
+                <a:effectLst>
+                  <a:outerShdw dist="38100" dir="2640000" algn="bl" rotWithShape="0">
+                    <a:schemeClr val="accent1"/>
+                  </a:outerShdw>
+                </a:effectLst>
+              </a:rPr>
+              <a:t>4</a:t>
+            </a:r>
+            <a:endParaRPr lang="fr-FR" sz="4400" b="1" dirty="0">
+              <a:ln w="12700">
+                <a:solidFill>
+                  <a:srgbClr val="0066FF"/>
+                </a:solidFill>
+                <a:prstDash val="solid"/>
+              </a:ln>
+              <a:effectLst>
+                <a:outerShdw dist="38100" dir="2640000" algn="bl" rotWithShape="0">
+                  <a:schemeClr val="accent1"/>
+                </a:outerShdw>
+              </a:effectLst>
+            </a:endParaRPr>
+          </a:p>
+        </p:txBody>
+      </p:sp>
+      <p:sp>
+        <p:nvSpPr>
+          <p:cNvPr id="14" name="Ellipse 13"/>
+          <p:cNvSpPr/>
+          <p:nvPr/>
+        </p:nvSpPr>
+        <p:spPr>
+          <a:xfrm>
+            <a:off x="3318457" y="4094160"/>
+            <a:ext cx="746975" cy="824249"/>
+          </a:xfrm>
+          <a:prstGeom prst="ellipse">
+            <a:avLst/>
+          </a:prstGeom>
+          <a:solidFill>
+            <a:schemeClr val="accent1">
+              <a:lumMod val="75000"/>
+            </a:schemeClr>
+          </a:solidFill>
+          <a:ln>
+            <a:solidFill>
+              <a:schemeClr val="tx1"/>
+            </a:solidFill>
+          </a:ln>
+        </p:spPr>
+        <p:style>
+          <a:lnRef idx="2">
+            <a:schemeClr val="accent1">
+              <a:shade val="50000"/>
+            </a:schemeClr>
+          </a:lnRef>
+          <a:fillRef idx="1">
+            <a:schemeClr val="accent1"/>
+          </a:fillRef>
+          <a:effectRef idx="0">
+            <a:schemeClr val="accent1"/>
+          </a:effectRef>
+          <a:fontRef idx="minor">
+            <a:schemeClr val="lt1"/>
+          </a:fontRef>
+        </p:style>
+        <p:txBody>
+          <a:bodyPr rtlCol="0" anchor="ctr"/>
+          <a:lstStyle/>
+          <a:p>
+            <a:pPr algn="ctr"/>
+            <a:r>
+              <a:rPr lang="fr-FR" sz="4400" b="1" dirty="0" smtClean="0">
+                <a:ln w="12700">
+                  <a:solidFill>
+                    <a:srgbClr val="0066FF"/>
+                  </a:solidFill>
+                  <a:prstDash val="solid"/>
+                </a:ln>
+                <a:effectLst>
+                  <a:outerShdw dist="38100" dir="2640000" algn="bl" rotWithShape="0">
+                    <a:schemeClr val="accent1"/>
+                  </a:outerShdw>
+                </a:effectLst>
+              </a:rPr>
+              <a:t>5</a:t>
+            </a:r>
+            <a:endParaRPr lang="fr-FR" sz="4400" b="1" dirty="0">
+              <a:ln w="12700">
+                <a:solidFill>
+                  <a:srgbClr val="0066FF"/>
+                </a:solidFill>
+                <a:prstDash val="solid"/>
+              </a:ln>
+              <a:effectLst>
+                <a:outerShdw dist="38100" dir="2640000" algn="bl" rotWithShape="0">
+                  <a:schemeClr val="accent1"/>
+                </a:outerShdw>
+              </a:effectLst>
+            </a:endParaRPr>
+          </a:p>
+        </p:txBody>
+      </p:sp>
     </p:spTree>
     <p:extLst>
       <p:ext uri="{BB962C8B-B14F-4D97-AF65-F5344CB8AC3E}">
@@ -5227,6 +6962,461 @@
                       </p:childTnLst>
                     </p:cTn>
                   </p:par>
+                  <p:par>
+                    <p:cTn id="16" fill="hold">
+                      <p:stCondLst>
+                        <p:cond delay="indefinite"/>
+                      </p:stCondLst>
+                      <p:childTnLst>
+                        <p:par>
+                          <p:cTn id="17" fill="hold">
+                            <p:stCondLst>
+                              <p:cond delay="0"/>
+                            </p:stCondLst>
+                            <p:childTnLst>
+                              <p:par>
+                                <p:cTn id="18" presetID="2" presetClass="entr" presetSubtype="4" fill="hold" grpId="0" nodeType="clickEffect">
+                                  <p:stCondLst>
+                                    <p:cond delay="0"/>
+                                  </p:stCondLst>
+                                  <p:childTnLst>
+                                    <p:set>
+                                      <p:cBhvr>
+                                        <p:cTn id="19" dur="1" fill="hold">
+                                          <p:stCondLst>
+                                            <p:cond delay="0"/>
+                                          </p:stCondLst>
+                                        </p:cTn>
+                                        <p:tgtEl>
+                                          <p:spTgt spid="5"/>
+                                        </p:tgtEl>
+                                        <p:attrNameLst>
+                                          <p:attrName>style.visibility</p:attrName>
+                                        </p:attrNameLst>
+                                      </p:cBhvr>
+                                      <p:to>
+                                        <p:strVal val="visible"/>
+                                      </p:to>
+                                    </p:set>
+                                    <p:anim calcmode="lin" valueType="num">
+                                      <p:cBhvr additive="base">
+                                        <p:cTn id="20" dur="500" fill="hold"/>
+                                        <p:tgtEl>
+                                          <p:spTgt spid="5"/>
+                                        </p:tgtEl>
+                                        <p:attrNameLst>
+                                          <p:attrName>ppt_x</p:attrName>
+                                        </p:attrNameLst>
+                                      </p:cBhvr>
+                                      <p:tavLst>
+                                        <p:tav tm="0">
+                                          <p:val>
+                                            <p:strVal val="#ppt_x"/>
+                                          </p:val>
+                                        </p:tav>
+                                        <p:tav tm="100000">
+                                          <p:val>
+                                            <p:strVal val="#ppt_x"/>
+                                          </p:val>
+                                        </p:tav>
+                                      </p:tavLst>
+                                    </p:anim>
+                                    <p:anim calcmode="lin" valueType="num">
+                                      <p:cBhvr additive="base">
+                                        <p:cTn id="21" dur="500" fill="hold"/>
+                                        <p:tgtEl>
+                                          <p:spTgt spid="5"/>
+                                        </p:tgtEl>
+                                        <p:attrNameLst>
+                                          <p:attrName>ppt_y</p:attrName>
+                                        </p:attrNameLst>
+                                      </p:cBhvr>
+                                      <p:tavLst>
+                                        <p:tav tm="0">
+                                          <p:val>
+                                            <p:strVal val="1+#ppt_h/2"/>
+                                          </p:val>
+                                        </p:tav>
+                                        <p:tav tm="100000">
+                                          <p:val>
+                                            <p:strVal val="#ppt_y"/>
+                                          </p:val>
+                                        </p:tav>
+                                      </p:tavLst>
+                                    </p:anim>
+                                  </p:childTnLst>
+                                </p:cTn>
+                              </p:par>
+                            </p:childTnLst>
+                          </p:cTn>
+                        </p:par>
+                      </p:childTnLst>
+                    </p:cTn>
+                  </p:par>
+                  <p:par>
+                    <p:cTn id="22" fill="hold">
+                      <p:stCondLst>
+                        <p:cond delay="indefinite"/>
+                      </p:stCondLst>
+                      <p:childTnLst>
+                        <p:par>
+                          <p:cTn id="23" fill="hold">
+                            <p:stCondLst>
+                              <p:cond delay="0"/>
+                            </p:stCondLst>
+                            <p:childTnLst>
+                              <p:par>
+                                <p:cTn id="24" presetID="2" presetClass="entr" presetSubtype="4" fill="hold" grpId="0" nodeType="clickEffect">
+                                  <p:stCondLst>
+                                    <p:cond delay="0"/>
+                                  </p:stCondLst>
+                                  <p:childTnLst>
+                                    <p:set>
+                                      <p:cBhvr>
+                                        <p:cTn id="25" dur="1" fill="hold">
+                                          <p:stCondLst>
+                                            <p:cond delay="0"/>
+                                          </p:stCondLst>
+                                        </p:cTn>
+                                        <p:tgtEl>
+                                          <p:spTgt spid="11"/>
+                                        </p:tgtEl>
+                                        <p:attrNameLst>
+                                          <p:attrName>style.visibility</p:attrName>
+                                        </p:attrNameLst>
+                                      </p:cBhvr>
+                                      <p:to>
+                                        <p:strVal val="visible"/>
+                                      </p:to>
+                                    </p:set>
+                                    <p:anim calcmode="lin" valueType="num">
+                                      <p:cBhvr additive="base">
+                                        <p:cTn id="26" dur="500" fill="hold"/>
+                                        <p:tgtEl>
+                                          <p:spTgt spid="11"/>
+                                        </p:tgtEl>
+                                        <p:attrNameLst>
+                                          <p:attrName>ppt_x</p:attrName>
+                                        </p:attrNameLst>
+                                      </p:cBhvr>
+                                      <p:tavLst>
+                                        <p:tav tm="0">
+                                          <p:val>
+                                            <p:strVal val="#ppt_x"/>
+                                          </p:val>
+                                        </p:tav>
+                                        <p:tav tm="100000">
+                                          <p:val>
+                                            <p:strVal val="#ppt_x"/>
+                                          </p:val>
+                                        </p:tav>
+                                      </p:tavLst>
+                                    </p:anim>
+                                    <p:anim calcmode="lin" valueType="num">
+                                      <p:cBhvr additive="base">
+                                        <p:cTn id="27" dur="500" fill="hold"/>
+                                        <p:tgtEl>
+                                          <p:spTgt spid="11"/>
+                                        </p:tgtEl>
+                                        <p:attrNameLst>
+                                          <p:attrName>ppt_y</p:attrName>
+                                        </p:attrNameLst>
+                                      </p:cBhvr>
+                                      <p:tavLst>
+                                        <p:tav tm="0">
+                                          <p:val>
+                                            <p:strVal val="1+#ppt_h/2"/>
+                                          </p:val>
+                                        </p:tav>
+                                        <p:tav tm="100000">
+                                          <p:val>
+                                            <p:strVal val="#ppt_y"/>
+                                          </p:val>
+                                        </p:tav>
+                                      </p:tavLst>
+                                    </p:anim>
+                                  </p:childTnLst>
+                                </p:cTn>
+                              </p:par>
+                            </p:childTnLst>
+                          </p:cTn>
+                        </p:par>
+                      </p:childTnLst>
+                    </p:cTn>
+                  </p:par>
+                  <p:par>
+                    <p:cTn id="28" fill="hold">
+                      <p:stCondLst>
+                        <p:cond delay="indefinite"/>
+                      </p:stCondLst>
+                      <p:childTnLst>
+                        <p:par>
+                          <p:cTn id="29" fill="hold">
+                            <p:stCondLst>
+                              <p:cond delay="0"/>
+                            </p:stCondLst>
+                            <p:childTnLst>
+                              <p:par>
+                                <p:cTn id="30" presetID="2" presetClass="entr" presetSubtype="4" fill="hold" grpId="0" nodeType="clickEffect">
+                                  <p:stCondLst>
+                                    <p:cond delay="0"/>
+                                  </p:stCondLst>
+                                  <p:childTnLst>
+                                    <p:set>
+                                      <p:cBhvr>
+                                        <p:cTn id="31" dur="1" fill="hold">
+                                          <p:stCondLst>
+                                            <p:cond delay="0"/>
+                                          </p:stCondLst>
+                                        </p:cTn>
+                                        <p:tgtEl>
+                                          <p:spTgt spid="12"/>
+                                        </p:tgtEl>
+                                        <p:attrNameLst>
+                                          <p:attrName>style.visibility</p:attrName>
+                                        </p:attrNameLst>
+                                      </p:cBhvr>
+                                      <p:to>
+                                        <p:strVal val="visible"/>
+                                      </p:to>
+                                    </p:set>
+                                    <p:anim calcmode="lin" valueType="num">
+                                      <p:cBhvr additive="base">
+                                        <p:cTn id="32" dur="500" fill="hold"/>
+                                        <p:tgtEl>
+                                          <p:spTgt spid="12"/>
+                                        </p:tgtEl>
+                                        <p:attrNameLst>
+                                          <p:attrName>ppt_x</p:attrName>
+                                        </p:attrNameLst>
+                                      </p:cBhvr>
+                                      <p:tavLst>
+                                        <p:tav tm="0">
+                                          <p:val>
+                                            <p:strVal val="#ppt_x"/>
+                                          </p:val>
+                                        </p:tav>
+                                        <p:tav tm="100000">
+                                          <p:val>
+                                            <p:strVal val="#ppt_x"/>
+                                          </p:val>
+                                        </p:tav>
+                                      </p:tavLst>
+                                    </p:anim>
+                                    <p:anim calcmode="lin" valueType="num">
+                                      <p:cBhvr additive="base">
+                                        <p:cTn id="33" dur="500" fill="hold"/>
+                                        <p:tgtEl>
+                                          <p:spTgt spid="12"/>
+                                        </p:tgtEl>
+                                        <p:attrNameLst>
+                                          <p:attrName>ppt_y</p:attrName>
+                                        </p:attrNameLst>
+                                      </p:cBhvr>
+                                      <p:tavLst>
+                                        <p:tav tm="0">
+                                          <p:val>
+                                            <p:strVal val="1+#ppt_h/2"/>
+                                          </p:val>
+                                        </p:tav>
+                                        <p:tav tm="100000">
+                                          <p:val>
+                                            <p:strVal val="#ppt_y"/>
+                                          </p:val>
+                                        </p:tav>
+                                      </p:tavLst>
+                                    </p:anim>
+                                  </p:childTnLst>
+                                </p:cTn>
+                              </p:par>
+                            </p:childTnLst>
+                          </p:cTn>
+                        </p:par>
+                      </p:childTnLst>
+                    </p:cTn>
+                  </p:par>
+                  <p:par>
+                    <p:cTn id="34" fill="hold">
+                      <p:stCondLst>
+                        <p:cond delay="indefinite"/>
+                      </p:stCondLst>
+                      <p:childTnLst>
+                        <p:par>
+                          <p:cTn id="35" fill="hold">
+                            <p:stCondLst>
+                              <p:cond delay="0"/>
+                            </p:stCondLst>
+                            <p:childTnLst>
+                              <p:par>
+                                <p:cTn id="36" presetID="2" presetClass="entr" presetSubtype="4" fill="hold" grpId="0" nodeType="clickEffect">
+                                  <p:stCondLst>
+                                    <p:cond delay="0"/>
+                                  </p:stCondLst>
+                                  <p:childTnLst>
+                                    <p:set>
+                                      <p:cBhvr>
+                                        <p:cTn id="37" dur="1" fill="hold">
+                                          <p:stCondLst>
+                                            <p:cond delay="0"/>
+                                          </p:stCondLst>
+                                        </p:cTn>
+                                        <p:tgtEl>
+                                          <p:spTgt spid="13"/>
+                                        </p:tgtEl>
+                                        <p:attrNameLst>
+                                          <p:attrName>style.visibility</p:attrName>
+                                        </p:attrNameLst>
+                                      </p:cBhvr>
+                                      <p:to>
+                                        <p:strVal val="visible"/>
+                                      </p:to>
+                                    </p:set>
+                                    <p:anim calcmode="lin" valueType="num">
+                                      <p:cBhvr additive="base">
+                                        <p:cTn id="38" dur="500" fill="hold"/>
+                                        <p:tgtEl>
+                                          <p:spTgt spid="13"/>
+                                        </p:tgtEl>
+                                        <p:attrNameLst>
+                                          <p:attrName>ppt_x</p:attrName>
+                                        </p:attrNameLst>
+                                      </p:cBhvr>
+                                      <p:tavLst>
+                                        <p:tav tm="0">
+                                          <p:val>
+                                            <p:strVal val="#ppt_x"/>
+                                          </p:val>
+                                        </p:tav>
+                                        <p:tav tm="100000">
+                                          <p:val>
+                                            <p:strVal val="#ppt_x"/>
+                                          </p:val>
+                                        </p:tav>
+                                      </p:tavLst>
+                                    </p:anim>
+                                    <p:anim calcmode="lin" valueType="num">
+                                      <p:cBhvr additive="base">
+                                        <p:cTn id="39" dur="500" fill="hold"/>
+                                        <p:tgtEl>
+                                          <p:spTgt spid="13"/>
+                                        </p:tgtEl>
+                                        <p:attrNameLst>
+                                          <p:attrName>ppt_y</p:attrName>
+                                        </p:attrNameLst>
+                                      </p:cBhvr>
+                                      <p:tavLst>
+                                        <p:tav tm="0">
+                                          <p:val>
+                                            <p:strVal val="1+#ppt_h/2"/>
+                                          </p:val>
+                                        </p:tav>
+                                        <p:tav tm="100000">
+                                          <p:val>
+                                            <p:strVal val="#ppt_y"/>
+                                          </p:val>
+                                        </p:tav>
+                                      </p:tavLst>
+                                    </p:anim>
+                                  </p:childTnLst>
+                                </p:cTn>
+                              </p:par>
+                            </p:childTnLst>
+                          </p:cTn>
+                        </p:par>
+                      </p:childTnLst>
+                    </p:cTn>
+                  </p:par>
+                  <p:par>
+                    <p:cTn id="40" fill="hold">
+                      <p:stCondLst>
+                        <p:cond delay="indefinite"/>
+                      </p:stCondLst>
+                      <p:childTnLst>
+                        <p:par>
+                          <p:cTn id="41" fill="hold">
+                            <p:stCondLst>
+                              <p:cond delay="0"/>
+                            </p:stCondLst>
+                            <p:childTnLst>
+                              <p:par>
+                                <p:cTn id="42" presetID="2" presetClass="entr" presetSubtype="4" fill="hold" grpId="0" nodeType="clickEffect">
+                                  <p:stCondLst>
+                                    <p:cond delay="0"/>
+                                  </p:stCondLst>
+                                  <p:childTnLst>
+                                    <p:set>
+                                      <p:cBhvr>
+                                        <p:cTn id="43" dur="1" fill="hold">
+                                          <p:stCondLst>
+                                            <p:cond delay="0"/>
+                                          </p:stCondLst>
+                                        </p:cTn>
+                                        <p:tgtEl>
+                                          <p:spTgt spid="14"/>
+                                        </p:tgtEl>
+                                        <p:attrNameLst>
+                                          <p:attrName>style.visibility</p:attrName>
+                                        </p:attrNameLst>
+                                      </p:cBhvr>
+                                      <p:to>
+                                        <p:strVal val="visible"/>
+                                      </p:to>
+                                    </p:set>
+                                    <p:anim calcmode="lin" valueType="num">
+                                      <p:cBhvr additive="base">
+                                        <p:cTn id="44" dur="500" fill="hold"/>
+                                        <p:tgtEl>
+                                          <p:spTgt spid="14"/>
+                                        </p:tgtEl>
+                                        <p:attrNameLst>
+                                          <p:attrName>ppt_x</p:attrName>
+                                        </p:attrNameLst>
+                                      </p:cBhvr>
+                                      <p:tavLst>
+                                        <p:tav tm="0">
+                                          <p:val>
+                                            <p:strVal val="#ppt_x"/>
+                                          </p:val>
+                                        </p:tav>
+                                        <p:tav tm="100000">
+                                          <p:val>
+                                            <p:strVal val="#ppt_x"/>
+                                          </p:val>
+                                        </p:tav>
+                                      </p:tavLst>
+                                    </p:anim>
+                                    <p:anim calcmode="lin" valueType="num">
+                                      <p:cBhvr additive="base">
+                                        <p:cTn id="45" dur="500" fill="hold"/>
+                                        <p:tgtEl>
+                                          <p:spTgt spid="14"/>
+                                        </p:tgtEl>
+                                        <p:attrNameLst>
+                                          <p:attrName>ppt_y</p:attrName>
+                                        </p:attrNameLst>
+                                      </p:cBhvr>
+                                      <p:tavLst>
+                                        <p:tav tm="0">
+                                          <p:val>
+                                            <p:strVal val="1+#ppt_h/2"/>
+                                          </p:val>
+                                        </p:tav>
+                                        <p:tav tm="100000">
+                                          <p:val>
+                                            <p:strVal val="#ppt_y"/>
+                                          </p:val>
+                                        </p:tav>
+                                      </p:tavLst>
+                                    </p:anim>
+                                  </p:childTnLst>
+                                </p:cTn>
+                              </p:par>
+                            </p:childTnLst>
+                          </p:cTn>
+                        </p:par>
+                      </p:childTnLst>
+                    </p:cTn>
+                  </p:par>
                 </p:childTnLst>
               </p:cTn>
               <p:prevCondLst>
@@ -5250,12 +7440,17 @@
     </p:tnLst>
     <p:bldLst>
       <p:bldP spid="6" grpId="0" animBg="1"/>
+      <p:bldP spid="5" grpId="0" animBg="1"/>
+      <p:bldP spid="11" grpId="0" animBg="1"/>
+      <p:bldP spid="12" grpId="0" animBg="1"/>
+      <p:bldP spid="13" grpId="0" animBg="1"/>
+      <p:bldP spid="14" grpId="0" animBg="1"/>
     </p:bldLst>
   </p:timing>
 </p:sld>
 </file>
 
-<file path=ppt/slides/slide5.xml><?xml version="1.0" encoding="utf-8"?>
+<file path=ppt/slides/slide7.xml><?xml version="1.0" encoding="utf-8"?>
 <p:sld xmlns:a="http://schemas.openxmlformats.org/drawingml/2006/main" xmlns:r="http://schemas.openxmlformats.org/officeDocument/2006/relationships" xmlns:p="http://schemas.openxmlformats.org/presentationml/2006/main">
   <p:cSld>
     <p:spTree>
@@ -6017,7 +8212,7 @@
 </p:sld>
 </file>
 
-<file path=ppt/slides/slide6.xml><?xml version="1.0" encoding="utf-8"?>
+<file path=ppt/slides/slide8.xml><?xml version="1.0" encoding="utf-8"?>
 <p:sld xmlns:a="http://schemas.openxmlformats.org/drawingml/2006/main" xmlns:r="http://schemas.openxmlformats.org/officeDocument/2006/relationships" xmlns:p="http://schemas.openxmlformats.org/presentationml/2006/main">
   <p:cSld>
     <p:spTree>
@@ -6129,13 +8324,6 @@
             <a:r>
               <a:rPr lang="fr-FR" dirty="0" smtClean="0"/>
               <a:t>.</a:t>
-            </a:r>
-          </a:p>
-          <a:p>
-            <a:pPr algn="l"/>
-            <a:r>
-              <a:rPr lang="fr-FR" dirty="0"/>
-              <a:t>Néanmoins pour une mise en production et au vu du niveau de sécurité des conteneurs, il est vivement conseillé de continuer à utiliser les machines virtuelles pour un niveau de sécurité maximum. Le conteneur reste pour le moment un bon outil de développement qui peut être appliqué dans un environnement de pré-production. L’hébergeur de service ayant une responsabilité en terme de conservation de données, de sécurisation du serveur et de traçabilité des actions, le conteneur ne peut à l’heure actuelle être mise à disposition, le risque de sécurité étant trop élevé pour être pris.</a:t>
             </a:r>
           </a:p>
           <a:p>
@@ -6322,67 +8510,6 @@
                       </p:childTnLst>
                     </p:cTn>
                   </p:par>
-                  <p:par>
-                    <p:cTn id="16" fill="hold">
-                      <p:stCondLst>
-                        <p:cond delay="indefinite"/>
-                      </p:stCondLst>
-                      <p:childTnLst>
-                        <p:par>
-                          <p:cTn id="17" fill="hold">
-                            <p:stCondLst>
-                              <p:cond delay="0"/>
-                            </p:stCondLst>
-                            <p:childTnLst>
-                              <p:par>
-                                <p:cTn id="18" presetID="16" presetClass="entr" presetSubtype="21" fill="hold" grpId="0" nodeType="clickEffect">
-                                  <p:stCondLst>
-                                    <p:cond delay="0"/>
-                                  </p:stCondLst>
-                                  <p:childTnLst>
-                                    <p:set>
-                                      <p:cBhvr>
-                                        <p:cTn id="19" dur="1" fill="hold">
-                                          <p:stCondLst>
-                                            <p:cond delay="0"/>
-                                          </p:stCondLst>
-                                        </p:cTn>
-                                        <p:tgtEl>
-                                          <p:spTgt spid="5">
-                                            <p:txEl>
-                                              <p:pRg st="2" end="2"/>
-                                            </p:txEl>
-                                          </p:spTgt>
-                                        </p:tgtEl>
-                                        <p:attrNameLst>
-                                          <p:attrName>style.visibility</p:attrName>
-                                        </p:attrNameLst>
-                                      </p:cBhvr>
-                                      <p:to>
-                                        <p:strVal val="visible"/>
-                                      </p:to>
-                                    </p:set>
-                                    <p:animEffect transition="in" filter="barn(inVertical)">
-                                      <p:cBhvr>
-                                        <p:cTn id="20" dur="500"/>
-                                        <p:tgtEl>
-                                          <p:spTgt spid="5">
-                                            <p:txEl>
-                                              <p:pRg st="2" end="2"/>
-                                            </p:txEl>
-                                          </p:spTgt>
-                                        </p:tgtEl>
-                                      </p:cBhvr>
-                                    </p:animEffect>
-                                  </p:childTnLst>
-                                </p:cTn>
-                              </p:par>
-                            </p:childTnLst>
-                          </p:cTn>
-                        </p:par>
-                      </p:childTnLst>
-                    </p:cTn>
-                  </p:par>
                 </p:childTnLst>
               </p:cTn>
               <p:prevCondLst>
@@ -6412,7 +8539,7 @@
 </p:sld>
 </file>
 
-<file path=ppt/slides/slide7.xml><?xml version="1.0" encoding="utf-8"?>
+<file path=ppt/slides/slide9.xml><?xml version="1.0" encoding="utf-8"?>
 <p:sld xmlns:a="http://schemas.openxmlformats.org/drawingml/2006/main" xmlns:r="http://schemas.openxmlformats.org/officeDocument/2006/relationships" xmlns:p="http://schemas.openxmlformats.org/presentationml/2006/main">
   <p:cSld>
     <p:spTree>
@@ -6636,117 +8763,6 @@
     <p:bldLst>
       <p:bldP spid="3" grpId="0" animBg="1"/>
     </p:bldLst>
-  </p:timing>
-</p:sld>
-</file>
-
-<file path=ppt/slides/slide8.xml><?xml version="1.0" encoding="utf-8"?>
-<p:sld xmlns:a="http://schemas.openxmlformats.org/drawingml/2006/main" xmlns:r="http://schemas.openxmlformats.org/officeDocument/2006/relationships" xmlns:p="http://schemas.openxmlformats.org/presentationml/2006/main" showMasterSp="0">
-  <p:cSld>
-    <p:bg>
-      <p:bgPr>
-        <a:pattFill prst="dashHorz">
-          <a:fgClr>
-            <a:schemeClr val="accent1"/>
-          </a:fgClr>
-          <a:bgClr>
-            <a:srgbClr val="0066FF"/>
-          </a:bgClr>
-        </a:pattFill>
-        <a:effectLst/>
-      </p:bgPr>
-    </p:bg>
-    <p:spTree>
-      <p:nvGrpSpPr>
-        <p:cNvPr id="1" name=""/>
-        <p:cNvGrpSpPr/>
-        <p:nvPr/>
-      </p:nvGrpSpPr>
-      <p:grpSpPr>
-        <a:xfrm>
-          <a:off x="0" y="0"/>
-          <a:ext cx="0" cy="0"/>
-          <a:chOff x="0" y="0"/>
-          <a:chExt cx="0" cy="0"/>
-        </a:xfrm>
-      </p:grpSpPr>
-      <p:sp>
-        <p:nvSpPr>
-          <p:cNvPr id="4" name="Espace réservé du numéro de diapositive 3"/>
-          <p:cNvSpPr>
-            <a:spLocks noGrp="1"/>
-          </p:cNvSpPr>
-          <p:nvPr>
-            <p:ph type="sldNum" sz="quarter" idx="12"/>
-          </p:nvPr>
-        </p:nvSpPr>
-        <p:spPr/>
-        <p:txBody>
-          <a:bodyPr/>
-          <a:lstStyle/>
-          <a:p>
-            <a:fld id="{AB88928B-9622-48EC-9EA5-614F3AC2BC76}" type="slidenum">
-              <a:rPr lang="fr-FR" smtClean="0"/>
-              <a:t>8</a:t>
-            </a:fld>
-            <a:endParaRPr lang="fr-FR"/>
-          </a:p>
-        </p:txBody>
-      </p:sp>
-      <p:pic>
-        <p:nvPicPr>
-          <p:cNvPr id="7" name="Espace réservé du contenu 6"/>
-          <p:cNvPicPr>
-            <a:picLocks noGrp="1" noChangeAspect="1"/>
-          </p:cNvPicPr>
-          <p:nvPr>
-            <p:ph idx="1"/>
-          </p:nvPr>
-        </p:nvPicPr>
-        <p:blipFill>
-          <a:blip r:embed="rId2"/>
-          <a:stretch>
-            <a:fillRect/>
-          </a:stretch>
-        </p:blipFill>
-        <p:spPr>
-          <a:xfrm>
-            <a:off x="266700" y="304801"/>
-            <a:ext cx="11601450" cy="6234112"/>
-          </a:xfrm>
-          <a:prstGeom prst="rect">
-            <a:avLst/>
-          </a:prstGeom>
-          <a:ln w="228600" cap="sq" cmpd="thickThin">
-            <a:solidFill>
-              <a:srgbClr val="000000"/>
-            </a:solidFill>
-            <a:prstDash val="solid"/>
-            <a:miter lim="800000"/>
-          </a:ln>
-          <a:effectLst>
-            <a:innerShdw blurRad="76200">
-              <a:srgbClr val="000000"/>
-            </a:innerShdw>
-          </a:effectLst>
-        </p:spPr>
-      </p:pic>
-    </p:spTree>
-    <p:extLst>
-      <p:ext uri="{BB962C8B-B14F-4D97-AF65-F5344CB8AC3E}">
-        <p14:creationId xmlns:p14="http://schemas.microsoft.com/office/powerpoint/2010/main" val="421663524"/>
-      </p:ext>
-    </p:extLst>
-  </p:cSld>
-  <p:clrMapOvr>
-    <a:masterClrMapping/>
-  </p:clrMapOvr>
-  <p:timing>
-    <p:tnLst>
-      <p:par>
-        <p:cTn id="1" dur="indefinite" restart="never" nodeType="tmRoot"/>
-      </p:par>
-    </p:tnLst>
   </p:timing>
 </p:sld>
 </file>

--- a/Docker.pptx
+++ b/Docker.pptx
@@ -5472,11 +5472,11 @@
   <p:clrMapOvr>
     <a:masterClrMapping/>
   </p:clrMapOvr>
-  <mc:AlternateContent xmlns:mc="http://schemas.openxmlformats.org/markup-compatibility/2006">
-    <mc:Choice xmlns:p14="http://schemas.microsoft.com/office/powerpoint/2010/main" Requires="p14">
+  <mc:AlternateContent xmlns:mc="http://schemas.openxmlformats.org/markup-compatibility/2006" xmlns:p14="http://schemas.microsoft.com/office/powerpoint/2010/main">
+    <mc:Choice Requires="p14">
       <p:transition p14:dur="10"/>
     </mc:Choice>
-    <mc:Fallback>
+    <mc:Fallback xmlns="">
       <p:transition/>
     </mc:Fallback>
   </mc:AlternateContent>
@@ -6463,19 +6463,6 @@
               </a:rPr>
               <a:t>1</a:t>
             </a:r>
-            <a:endParaRPr lang="fr-FR" sz="4400" b="1" dirty="0">
-              <a:ln w="12700">
-                <a:solidFill>
-                  <a:srgbClr val="0066FF"/>
-                </a:solidFill>
-                <a:prstDash val="solid"/>
-              </a:ln>
-              <a:effectLst>
-                <a:outerShdw dist="38100" dir="2640000" algn="bl" rotWithShape="0">
-                  <a:schemeClr val="accent1"/>
-                </a:outerShdw>
-              </a:effectLst>
-            </a:endParaRPr>
           </a:p>
         </p:txBody>
       </p:sp>
@@ -6697,19 +6684,6 @@
               </a:rPr>
               <a:t>4</a:t>
             </a:r>
-            <a:endParaRPr lang="fr-FR" sz="4400" b="1" dirty="0">
-              <a:ln w="12700">
-                <a:solidFill>
-                  <a:srgbClr val="0066FF"/>
-                </a:solidFill>
-                <a:prstDash val="solid"/>
-              </a:ln>
-              <a:effectLst>
-                <a:outerShdw dist="38100" dir="2640000" algn="bl" rotWithShape="0">
-                  <a:schemeClr val="accent1"/>
-                </a:outerShdw>
-              </a:effectLst>
-            </a:endParaRPr>
           </a:p>
         </p:txBody>
       </p:sp>
@@ -7853,6 +7827,34 @@
           </a:p>
         </p:txBody>
       </p:sp>
+      <p:sp>
+        <p:nvSpPr>
+          <p:cNvPr id="2" name="Rectangle 1"/>
+          <p:cNvSpPr/>
+          <p:nvPr/>
+        </p:nvSpPr>
+        <p:spPr>
+          <a:xfrm>
+            <a:off x="4530437" y="4911437"/>
+            <a:ext cx="6096000" cy="646331"/>
+          </a:xfrm>
+          <a:prstGeom prst="rect">
+            <a:avLst/>
+          </a:prstGeom>
+        </p:spPr>
+        <p:txBody>
+          <a:bodyPr>
+            <a:spAutoFit/>
+          </a:bodyPr>
+          <a:lstStyle/>
+          <a:p>
+            <a:r>
+              <a:rPr lang="fr-FR" dirty="0"/>
+              <a:t>une attaque est plus facile de se propager sur des conteneurs car celles-ci partagent les mêmes ressources</a:t>
+            </a:r>
+          </a:p>
+        </p:txBody>
+      </p:sp>
     </p:spTree>
     <p:extLst>
       <p:ext uri="{BB962C8B-B14F-4D97-AF65-F5344CB8AC3E}">
@@ -8169,6 +8171,109 @@
                                         </p:tgtEl>
                                       </p:cBhvr>
                                     </p:animEffect>
+                                  </p:childTnLst>
+                                </p:cTn>
+                              </p:par>
+                            </p:childTnLst>
+                          </p:cTn>
+                        </p:par>
+                      </p:childTnLst>
+                    </p:cTn>
+                  </p:par>
+                  <p:par>
+                    <p:cTn id="30" fill="hold">
+                      <p:stCondLst>
+                        <p:cond delay="indefinite"/>
+                      </p:stCondLst>
+                      <p:childTnLst>
+                        <p:par>
+                          <p:cTn id="31" fill="hold">
+                            <p:stCondLst>
+                              <p:cond delay="0"/>
+                            </p:stCondLst>
+                            <p:childTnLst>
+                              <p:par>
+                                <p:cTn id="32" presetID="2" presetClass="entr" presetSubtype="4" fill="hold" nodeType="clickEffect">
+                                  <p:stCondLst>
+                                    <p:cond delay="0"/>
+                                  </p:stCondLst>
+                                  <p:childTnLst>
+                                    <p:set>
+                                      <p:cBhvr>
+                                        <p:cTn id="33" dur="1" fill="hold">
+                                          <p:stCondLst>
+                                            <p:cond delay="0"/>
+                                          </p:stCondLst>
+                                        </p:cTn>
+                                        <p:tgtEl>
+                                          <p:spTgt spid="2">
+                                            <p:txEl>
+                                              <p:pRg st="0" end="0"/>
+                                            </p:txEl>
+                                          </p:spTgt>
+                                        </p:tgtEl>
+                                        <p:attrNameLst>
+                                          <p:attrName>style.visibility</p:attrName>
+                                        </p:attrNameLst>
+                                      </p:cBhvr>
+                                      <p:to>
+                                        <p:strVal val="visible"/>
+                                      </p:to>
+                                    </p:set>
+                                    <p:anim calcmode="lin" valueType="num">
+                                      <p:cBhvr additive="base">
+                                        <p:cTn id="34" dur="500" fill="hold"/>
+                                        <p:tgtEl>
+                                          <p:spTgt spid="2">
+                                            <p:txEl>
+                                              <p:pRg st="0" end="0"/>
+                                            </p:txEl>
+                                          </p:spTgt>
+                                        </p:tgtEl>
+                                        <p:attrNameLst>
+                                          <p:attrName>ppt_x</p:attrName>
+                                        </p:attrNameLst>
+                                      </p:cBhvr>
+                                      <p:tavLst>
+                                        <p:tav tm="0">
+                                          <p:val>
+                                            <p:strVal val="#ppt_x"/>
+                                          </p:val>
+                                        </p:tav>
+                                        <p:tav tm="100000">
+                                          <p:val>
+                                            <p:strVal val="#ppt_x"/>
+                                          </p:val>
+                                        </p:tav>
+                                      </p:tavLst>
+                                    </p:anim>
+                                    <p:anim calcmode="lin" valueType="num">
+                                      <p:cBhvr additive="base">
+                                        <p:cTn id="35" dur="500" fill="hold"/>
+                                        <p:tgtEl>
+                                          <p:spTgt spid="2">
+                                            <p:txEl>
+                                              <p:pRg st="0" end="0"/>
+                                            </p:txEl>
+                                          </p:spTgt>
+                                        </p:tgtEl>
+                                        <p:attrNameLst>
+                                          <p:attrName>ppt_y</p:attrName>
+                                        </p:attrNameLst>
+                                      </p:cBhvr>
+                                      <p:tavLst>
+                                        <p:tav tm="0">
+                                          <p:val>
+                                            <p:strVal val="1+#ppt_h/2"/>
+                                          </p:val>
+                                        </p:tav>
+                                        <p:tav tm="100000">
+                                          <p:val>
+                                            <p:strVal val="#ppt_y"/>
+                                          </p:val>
+                                        </p:tav>
+                                      </p:tavLst>
+                                    </p:anim>
                                   </p:childTnLst>
                                 </p:cTn>
                               </p:par>
